--- a/Javascript/operators.pptx
+++ b/Javascript/operators.pptx
@@ -266,7 +266,7 @@
           <a:p>
             <a:fld id="{87E8EEC1-31C4-4790-A870-8ACE0F0476F9}" type="datetimeFigureOut">
               <a:rPr lang="en-US" smtClean="0"/>
-              <a:t>5/20/2024</a:t>
+              <a:t>5/29/2024</a:t>
             </a:fld>
             <a:endParaRPr lang="en-US"/>
           </a:p>
@@ -464,7 +464,7 @@
           <a:p>
             <a:fld id="{87E8EEC1-31C4-4790-A870-8ACE0F0476F9}" type="datetimeFigureOut">
               <a:rPr lang="en-US" smtClean="0"/>
-              <a:t>5/20/2024</a:t>
+              <a:t>5/29/2024</a:t>
             </a:fld>
             <a:endParaRPr lang="en-US"/>
           </a:p>
@@ -672,7 +672,7 @@
           <a:p>
             <a:fld id="{87E8EEC1-31C4-4790-A870-8ACE0F0476F9}" type="datetimeFigureOut">
               <a:rPr lang="en-US" smtClean="0"/>
-              <a:t>5/20/2024</a:t>
+              <a:t>5/29/2024</a:t>
             </a:fld>
             <a:endParaRPr lang="en-US"/>
           </a:p>
@@ -870,7 +870,7 @@
           <a:p>
             <a:fld id="{87E8EEC1-31C4-4790-A870-8ACE0F0476F9}" type="datetimeFigureOut">
               <a:rPr lang="en-US" smtClean="0"/>
-              <a:t>5/20/2024</a:t>
+              <a:t>5/29/2024</a:t>
             </a:fld>
             <a:endParaRPr lang="en-US"/>
           </a:p>
@@ -1145,7 +1145,7 @@
           <a:p>
             <a:fld id="{87E8EEC1-31C4-4790-A870-8ACE0F0476F9}" type="datetimeFigureOut">
               <a:rPr lang="en-US" smtClean="0"/>
-              <a:t>5/20/2024</a:t>
+              <a:t>5/29/2024</a:t>
             </a:fld>
             <a:endParaRPr lang="en-US"/>
           </a:p>
@@ -1410,7 +1410,7 @@
           <a:p>
             <a:fld id="{87E8EEC1-31C4-4790-A870-8ACE0F0476F9}" type="datetimeFigureOut">
               <a:rPr lang="en-US" smtClean="0"/>
-              <a:t>5/20/2024</a:t>
+              <a:t>5/29/2024</a:t>
             </a:fld>
             <a:endParaRPr lang="en-US"/>
           </a:p>
@@ -1822,7 +1822,7 @@
           <a:p>
             <a:fld id="{87E8EEC1-31C4-4790-A870-8ACE0F0476F9}" type="datetimeFigureOut">
               <a:rPr lang="en-US" smtClean="0"/>
-              <a:t>5/20/2024</a:t>
+              <a:t>5/29/2024</a:t>
             </a:fld>
             <a:endParaRPr lang="en-US"/>
           </a:p>
@@ -1963,7 +1963,7 @@
           <a:p>
             <a:fld id="{87E8EEC1-31C4-4790-A870-8ACE0F0476F9}" type="datetimeFigureOut">
               <a:rPr lang="en-US" smtClean="0"/>
-              <a:t>5/20/2024</a:t>
+              <a:t>5/29/2024</a:t>
             </a:fld>
             <a:endParaRPr lang="en-US"/>
           </a:p>
@@ -2076,7 +2076,7 @@
           <a:p>
             <a:fld id="{87E8EEC1-31C4-4790-A870-8ACE0F0476F9}" type="datetimeFigureOut">
               <a:rPr lang="en-US" smtClean="0"/>
-              <a:t>5/20/2024</a:t>
+              <a:t>5/29/2024</a:t>
             </a:fld>
             <a:endParaRPr lang="en-US"/>
           </a:p>
@@ -2387,7 +2387,7 @@
           <a:p>
             <a:fld id="{87E8EEC1-31C4-4790-A870-8ACE0F0476F9}" type="datetimeFigureOut">
               <a:rPr lang="en-US" smtClean="0"/>
-              <a:t>5/20/2024</a:t>
+              <a:t>5/29/2024</a:t>
             </a:fld>
             <a:endParaRPr lang="en-US"/>
           </a:p>
@@ -2675,7 +2675,7 @@
           <a:p>
             <a:fld id="{87E8EEC1-31C4-4790-A870-8ACE0F0476F9}" type="datetimeFigureOut">
               <a:rPr lang="en-US" smtClean="0"/>
-              <a:t>5/20/2024</a:t>
+              <a:t>5/29/2024</a:t>
             </a:fld>
             <a:endParaRPr lang="en-US"/>
           </a:p>
@@ -2752,9 +2752,12 @@
 <p:sldMaster xmlns:a="http://schemas.openxmlformats.org/drawingml/2006/main" xmlns:r="http://schemas.openxmlformats.org/officeDocument/2006/relationships" xmlns:p="http://schemas.openxmlformats.org/presentationml/2006/main">
   <p:cSld>
     <p:bg>
-      <p:bgRef idx="1001">
-        <a:schemeClr val="bg1"/>
-      </p:bgRef>
+      <p:bgPr>
+        <a:solidFill>
+          <a:srgbClr val="1D1F21"/>
+        </a:solidFill>
+        <a:effectLst/>
+      </p:bgPr>
     </p:bg>
     <p:spTree>
       <p:nvGrpSpPr>
@@ -2916,7 +2919,7 @@
           <a:p>
             <a:fld id="{87E8EEC1-31C4-4790-A870-8ACE0F0476F9}" type="datetimeFigureOut">
               <a:rPr lang="en-US" smtClean="0"/>
-              <a:t>5/20/2024</a:t>
+              <a:t>5/29/2024</a:t>
             </a:fld>
             <a:endParaRPr lang="en-US"/>
           </a:p>
@@ -3319,14 +3322,6 @@
 <file path=ppt/slides/slide1.xml><?xml version="1.0" encoding="utf-8"?>
 <p:sld xmlns:a="http://schemas.openxmlformats.org/drawingml/2006/main" xmlns:r="http://schemas.openxmlformats.org/officeDocument/2006/relationships" xmlns:p="http://schemas.openxmlformats.org/presentationml/2006/main">
   <p:cSld>
-    <p:bg>
-      <p:bgPr>
-        <a:solidFill>
-          <a:srgbClr val="1A1B24"/>
-        </a:solidFill>
-        <a:effectLst/>
-      </p:bgPr>
-    </p:bg>
     <p:spTree>
       <p:nvGrpSpPr>
         <p:cNvPr id="1" name=""/>
@@ -3961,6 +3956,180 @@
               <a:ea typeface="Sans Serif Collection" panose="020B0502040504020204" pitchFamily="34" charset="0"/>
               <a:cs typeface="SolaimanLipi" panose="02000500020000020004" pitchFamily="2" charset="0"/>
             </a:endParaRPr>
+          </a:p>
+        </p:txBody>
+      </p:sp>
+      <p:sp>
+        <p:nvSpPr>
+          <p:cNvPr id="7" name="TextBox 6">
+            <a:extLst>
+              <a:ext uri="{FF2B5EF4-FFF2-40B4-BE49-F238E27FC236}">
+                <a16:creationId xmlns:a16="http://schemas.microsoft.com/office/drawing/2014/main" id="{C3E2390E-8776-4564-97E2-EBB94F288F7D}"/>
+              </a:ext>
+            </a:extLst>
+          </p:cNvPr>
+          <p:cNvSpPr txBox="1"/>
+          <p:nvPr/>
+        </p:nvSpPr>
+        <p:spPr>
+          <a:xfrm>
+            <a:off x="3038581" y="3055099"/>
+            <a:ext cx="2222083" cy="3064300"/>
+          </a:xfrm>
+          <a:prstGeom prst="rect">
+            <a:avLst/>
+          </a:prstGeom>
+          <a:noFill/>
+          <a:ln w="9525">
+            <a:noFill/>
+          </a:ln>
+          <a:effectLst>
+            <a:outerShdw blurRad="50800" dist="38100" dir="8100000" algn="tr" rotWithShape="0">
+              <a:prstClr val="black">
+                <a:alpha val="40000"/>
+              </a:prstClr>
+            </a:outerShdw>
+          </a:effectLst>
+        </p:spPr>
+        <p:txBody>
+          <a:bodyPr wrap="none" rtlCol="0">
+            <a:spAutoFit/>
+          </a:bodyPr>
+          <a:lstStyle/>
+          <a:p>
+            <a:pPr>
+              <a:lnSpc>
+                <a:spcPct val="250000"/>
+              </a:lnSpc>
+            </a:pPr>
+            <a:r>
+              <a:rPr lang="en-US" sz="1600" b="1" dirty="0">
+                <a:ln w="3175">
+                  <a:noFill/>
+                </a:ln>
+                <a:solidFill>
+                  <a:schemeClr val="bg1"/>
+                </a:solidFill>
+                <a:effectLst>
+                  <a:outerShdw blurRad="50800" dist="38100" dir="8100000" algn="tr" rotWithShape="0">
+                    <a:prstClr val="black">
+                      <a:alpha val="40000"/>
+                    </a:prstClr>
+                  </a:outerShdw>
+                </a:effectLst>
+                <a:latin typeface="Times New Roman" panose="02020603050405020304" pitchFamily="18" charset="0"/>
+                <a:cs typeface="Times New Roman" panose="02020603050405020304" pitchFamily="18" charset="0"/>
+              </a:rPr>
+              <a:t>Arithmetic Operators </a:t>
+            </a:r>
+          </a:p>
+          <a:p>
+            <a:pPr>
+              <a:lnSpc>
+                <a:spcPct val="250000"/>
+              </a:lnSpc>
+            </a:pPr>
+            <a:r>
+              <a:rPr lang="en-US" sz="1600" b="1" dirty="0">
+                <a:ln w="3175">
+                  <a:noFill/>
+                </a:ln>
+                <a:solidFill>
+                  <a:schemeClr val="bg1"/>
+                </a:solidFill>
+                <a:effectLst>
+                  <a:outerShdw blurRad="50800" dist="38100" dir="8100000" algn="tr" rotWithShape="0">
+                    <a:prstClr val="black">
+                      <a:alpha val="40000"/>
+                    </a:prstClr>
+                  </a:outerShdw>
+                </a:effectLst>
+                <a:latin typeface="Times New Roman" panose="02020603050405020304" pitchFamily="18" charset="0"/>
+                <a:cs typeface="Times New Roman" panose="02020603050405020304" pitchFamily="18" charset="0"/>
+              </a:rPr>
+              <a:t>Assignment Operators</a:t>
+            </a:r>
+          </a:p>
+          <a:p>
+            <a:pPr>
+              <a:lnSpc>
+                <a:spcPct val="250000"/>
+              </a:lnSpc>
+            </a:pPr>
+            <a:r>
+              <a:rPr lang="en-US" sz="1600" b="1" dirty="0">
+                <a:ln w="3175">
+                  <a:noFill/>
+                </a:ln>
+                <a:solidFill>
+                  <a:schemeClr val="bg1"/>
+                </a:solidFill>
+                <a:effectLst>
+                  <a:outerShdw blurRad="50800" dist="38100" dir="8100000" algn="tr" rotWithShape="0">
+                    <a:prstClr val="black">
+                      <a:alpha val="40000"/>
+                    </a:prstClr>
+                  </a:outerShdw>
+                </a:effectLst>
+                <a:latin typeface="Times New Roman" panose="02020603050405020304" pitchFamily="18" charset="0"/>
+                <a:cs typeface="Times New Roman" panose="02020603050405020304" pitchFamily="18" charset="0"/>
+              </a:rPr>
+              <a:t>Comparison Operators</a:t>
+            </a:r>
+          </a:p>
+          <a:p>
+            <a:pPr>
+              <a:lnSpc>
+                <a:spcPct val="250000"/>
+              </a:lnSpc>
+            </a:pPr>
+            <a:r>
+              <a:rPr lang="en-US" sz="1600" b="1" dirty="0">
+                <a:ln w="3175">
+                  <a:noFill/>
+                </a:ln>
+                <a:solidFill>
+                  <a:schemeClr val="bg1"/>
+                </a:solidFill>
+                <a:effectLst>
+                  <a:outerShdw blurRad="50800" dist="38100" dir="8100000" algn="tr" rotWithShape="0">
+                    <a:prstClr val="black">
+                      <a:alpha val="40000"/>
+                    </a:prstClr>
+                  </a:outerShdw>
+                </a:effectLst>
+                <a:latin typeface="Times New Roman" panose="02020603050405020304" pitchFamily="18" charset="0"/>
+                <a:cs typeface="Times New Roman" panose="02020603050405020304" pitchFamily="18" charset="0"/>
+              </a:rPr>
+              <a:t>Logical Operators</a:t>
+            </a:r>
+          </a:p>
+          <a:p>
+            <a:pPr>
+              <a:lnSpc>
+                <a:spcPct val="250000"/>
+              </a:lnSpc>
+            </a:pPr>
+            <a:r>
+              <a:rPr lang="en-US" sz="1600" b="1" dirty="0">
+                <a:ln w="3175">
+                  <a:noFill/>
+                </a:ln>
+                <a:solidFill>
+                  <a:schemeClr val="bg1"/>
+                </a:solidFill>
+                <a:effectLst>
+                  <a:outerShdw blurRad="50800" dist="38100" dir="8100000" algn="tr" rotWithShape="0">
+                    <a:prstClr val="black">
+                      <a:alpha val="40000"/>
+                    </a:prstClr>
+                  </a:outerShdw>
+                </a:effectLst>
+                <a:latin typeface="Times New Roman" panose="02020603050405020304" pitchFamily="18" charset="0"/>
+                <a:cs typeface="Times New Roman" panose="02020603050405020304" pitchFamily="18" charset="0"/>
+              </a:rPr>
+              <a:t>Unary Operators</a:t>
+            </a:r>
           </a:p>
         </p:txBody>
       </p:sp>
@@ -4058,6 +4227,311 @@
                       </p:childTnLst>
                     </p:cTn>
                   </p:par>
+                  <p:par>
+                    <p:cTn id="9" fill="hold">
+                      <p:stCondLst>
+                        <p:cond delay="indefinite"/>
+                      </p:stCondLst>
+                      <p:childTnLst>
+                        <p:par>
+                          <p:cTn id="10" fill="hold">
+                            <p:stCondLst>
+                              <p:cond delay="0"/>
+                            </p:stCondLst>
+                            <p:childTnLst>
+                              <p:par>
+                                <p:cTn id="11" presetID="10" presetClass="entr" presetSubtype="0" fill="hold" nodeType="clickEffect">
+                                  <p:stCondLst>
+                                    <p:cond delay="0"/>
+                                  </p:stCondLst>
+                                  <p:childTnLst>
+                                    <p:set>
+                                      <p:cBhvr>
+                                        <p:cTn id="12" dur="1" fill="hold">
+                                          <p:stCondLst>
+                                            <p:cond delay="0"/>
+                                          </p:stCondLst>
+                                        </p:cTn>
+                                        <p:tgtEl>
+                                          <p:spTgt spid="7">
+                                            <p:txEl>
+                                              <p:pRg st="0" end="0"/>
+                                            </p:txEl>
+                                          </p:spTgt>
+                                        </p:tgtEl>
+                                        <p:attrNameLst>
+                                          <p:attrName>style.visibility</p:attrName>
+                                        </p:attrNameLst>
+                                      </p:cBhvr>
+                                      <p:to>
+                                        <p:strVal val="visible"/>
+                                      </p:to>
+                                    </p:set>
+                                    <p:animEffect transition="in" filter="fade">
+                                      <p:cBhvr>
+                                        <p:cTn id="13" dur="500"/>
+                                        <p:tgtEl>
+                                          <p:spTgt spid="7">
+                                            <p:txEl>
+                                              <p:pRg st="0" end="0"/>
+                                            </p:txEl>
+                                          </p:spTgt>
+                                        </p:tgtEl>
+                                      </p:cBhvr>
+                                    </p:animEffect>
+                                  </p:childTnLst>
+                                </p:cTn>
+                              </p:par>
+                            </p:childTnLst>
+                          </p:cTn>
+                        </p:par>
+                      </p:childTnLst>
+                    </p:cTn>
+                  </p:par>
+                  <p:par>
+                    <p:cTn id="14" fill="hold">
+                      <p:stCondLst>
+                        <p:cond delay="indefinite"/>
+                      </p:stCondLst>
+                      <p:childTnLst>
+                        <p:par>
+                          <p:cTn id="15" fill="hold">
+                            <p:stCondLst>
+                              <p:cond delay="0"/>
+                            </p:stCondLst>
+                            <p:childTnLst>
+                              <p:par>
+                                <p:cTn id="16" presetID="10" presetClass="entr" presetSubtype="0" fill="hold" nodeType="clickEffect">
+                                  <p:stCondLst>
+                                    <p:cond delay="0"/>
+                                  </p:stCondLst>
+                                  <p:childTnLst>
+                                    <p:set>
+                                      <p:cBhvr>
+                                        <p:cTn id="17" dur="1" fill="hold">
+                                          <p:stCondLst>
+                                            <p:cond delay="0"/>
+                                          </p:stCondLst>
+                                        </p:cTn>
+                                        <p:tgtEl>
+                                          <p:spTgt spid="7">
+                                            <p:txEl>
+                                              <p:pRg st="1" end="1"/>
+                                            </p:txEl>
+                                          </p:spTgt>
+                                        </p:tgtEl>
+                                        <p:attrNameLst>
+                                          <p:attrName>style.visibility</p:attrName>
+                                        </p:attrNameLst>
+                                      </p:cBhvr>
+                                      <p:to>
+                                        <p:strVal val="visible"/>
+                                      </p:to>
+                                    </p:set>
+                                    <p:animEffect transition="in" filter="fade">
+                                      <p:cBhvr>
+                                        <p:cTn id="18" dur="500"/>
+                                        <p:tgtEl>
+                                          <p:spTgt spid="7">
+                                            <p:txEl>
+                                              <p:pRg st="1" end="1"/>
+                                            </p:txEl>
+                                          </p:spTgt>
+                                        </p:tgtEl>
+                                      </p:cBhvr>
+                                    </p:animEffect>
+                                  </p:childTnLst>
+                                </p:cTn>
+                              </p:par>
+                            </p:childTnLst>
+                          </p:cTn>
+                        </p:par>
+                      </p:childTnLst>
+                    </p:cTn>
+                  </p:par>
+                  <p:par>
+                    <p:cTn id="19" fill="hold">
+                      <p:stCondLst>
+                        <p:cond delay="indefinite"/>
+                      </p:stCondLst>
+                      <p:childTnLst>
+                        <p:par>
+                          <p:cTn id="20" fill="hold">
+                            <p:stCondLst>
+                              <p:cond delay="0"/>
+                            </p:stCondLst>
+                            <p:childTnLst>
+                              <p:par>
+                                <p:cTn id="21" presetID="10" presetClass="entr" presetSubtype="0" fill="hold" nodeType="clickEffect">
+                                  <p:stCondLst>
+                                    <p:cond delay="0"/>
+                                  </p:stCondLst>
+                                  <p:childTnLst>
+                                    <p:set>
+                                      <p:cBhvr>
+                                        <p:cTn id="22" dur="1" fill="hold">
+                                          <p:stCondLst>
+                                            <p:cond delay="0"/>
+                                          </p:stCondLst>
+                                        </p:cTn>
+                                        <p:tgtEl>
+                                          <p:spTgt spid="7">
+                                            <p:txEl>
+                                              <p:pRg st="2" end="2"/>
+                                            </p:txEl>
+                                          </p:spTgt>
+                                        </p:tgtEl>
+                                        <p:attrNameLst>
+                                          <p:attrName>style.visibility</p:attrName>
+                                        </p:attrNameLst>
+                                      </p:cBhvr>
+                                      <p:to>
+                                        <p:strVal val="visible"/>
+                                      </p:to>
+                                    </p:set>
+                                    <p:animEffect transition="in" filter="fade">
+                                      <p:cBhvr>
+                                        <p:cTn id="23" dur="500"/>
+                                        <p:tgtEl>
+                                          <p:spTgt spid="7">
+                                            <p:txEl>
+                                              <p:pRg st="2" end="2"/>
+                                            </p:txEl>
+                                          </p:spTgt>
+                                        </p:tgtEl>
+                                      </p:cBhvr>
+                                    </p:animEffect>
+                                  </p:childTnLst>
+                                </p:cTn>
+                              </p:par>
+                            </p:childTnLst>
+                          </p:cTn>
+                        </p:par>
+                      </p:childTnLst>
+                    </p:cTn>
+                  </p:par>
+                  <p:par>
+                    <p:cTn id="24" fill="hold">
+                      <p:stCondLst>
+                        <p:cond delay="indefinite"/>
+                      </p:stCondLst>
+                      <p:childTnLst>
+                        <p:par>
+                          <p:cTn id="25" fill="hold">
+                            <p:stCondLst>
+                              <p:cond delay="0"/>
+                            </p:stCondLst>
+                            <p:childTnLst>
+                              <p:par>
+                                <p:cTn id="26" presetID="10" presetClass="entr" presetSubtype="0" fill="hold" nodeType="clickEffect">
+                                  <p:stCondLst>
+                                    <p:cond delay="0"/>
+                                  </p:stCondLst>
+                                  <p:childTnLst>
+                                    <p:set>
+                                      <p:cBhvr>
+                                        <p:cTn id="27" dur="1" fill="hold">
+                                          <p:stCondLst>
+                                            <p:cond delay="0"/>
+                                          </p:stCondLst>
+                                        </p:cTn>
+                                        <p:tgtEl>
+                                          <p:spTgt spid="7">
+                                            <p:txEl>
+                                              <p:pRg st="3" end="3"/>
+                                            </p:txEl>
+                                          </p:spTgt>
+                                        </p:tgtEl>
+                                        <p:attrNameLst>
+                                          <p:attrName>style.visibility</p:attrName>
+                                        </p:attrNameLst>
+                                      </p:cBhvr>
+                                      <p:to>
+                                        <p:strVal val="visible"/>
+                                      </p:to>
+                                    </p:set>
+                                    <p:animEffect transition="in" filter="fade">
+                                      <p:cBhvr>
+                                        <p:cTn id="28" dur="500"/>
+                                        <p:tgtEl>
+                                          <p:spTgt spid="7">
+                                            <p:txEl>
+                                              <p:pRg st="3" end="3"/>
+                                            </p:txEl>
+                                          </p:spTgt>
+                                        </p:tgtEl>
+                                      </p:cBhvr>
+                                    </p:animEffect>
+                                  </p:childTnLst>
+                                </p:cTn>
+                              </p:par>
+                            </p:childTnLst>
+                          </p:cTn>
+                        </p:par>
+                      </p:childTnLst>
+                    </p:cTn>
+                  </p:par>
+                  <p:par>
+                    <p:cTn id="29" fill="hold">
+                      <p:stCondLst>
+                        <p:cond delay="indefinite"/>
+                      </p:stCondLst>
+                      <p:childTnLst>
+                        <p:par>
+                          <p:cTn id="30" fill="hold">
+                            <p:stCondLst>
+                              <p:cond delay="0"/>
+                            </p:stCondLst>
+                            <p:childTnLst>
+                              <p:par>
+                                <p:cTn id="31" presetID="10" presetClass="entr" presetSubtype="0" fill="hold" nodeType="clickEffect">
+                                  <p:stCondLst>
+                                    <p:cond delay="0"/>
+                                  </p:stCondLst>
+                                  <p:childTnLst>
+                                    <p:set>
+                                      <p:cBhvr>
+                                        <p:cTn id="32" dur="1" fill="hold">
+                                          <p:stCondLst>
+                                            <p:cond delay="0"/>
+                                          </p:stCondLst>
+                                        </p:cTn>
+                                        <p:tgtEl>
+                                          <p:spTgt spid="7">
+                                            <p:txEl>
+                                              <p:pRg st="4" end="4"/>
+                                            </p:txEl>
+                                          </p:spTgt>
+                                        </p:tgtEl>
+                                        <p:attrNameLst>
+                                          <p:attrName>style.visibility</p:attrName>
+                                        </p:attrNameLst>
+                                      </p:cBhvr>
+                                      <p:to>
+                                        <p:strVal val="visible"/>
+                                      </p:to>
+                                    </p:set>
+                                    <p:animEffect transition="in" filter="fade">
+                                      <p:cBhvr>
+                                        <p:cTn id="33" dur="500"/>
+                                        <p:tgtEl>
+                                          <p:spTgt spid="7">
+                                            <p:txEl>
+                                              <p:pRg st="4" end="4"/>
+                                            </p:txEl>
+                                          </p:spTgt>
+                                        </p:tgtEl>
+                                      </p:cBhvr>
+                                    </p:animEffect>
+                                  </p:childTnLst>
+                                </p:cTn>
+                              </p:par>
+                            </p:childTnLst>
+                          </p:cTn>
+                        </p:par>
+                      </p:childTnLst>
+                    </p:cTn>
+                  </p:par>
                 </p:childTnLst>
               </p:cTn>
               <p:prevCondLst>
@@ -4089,14 +4563,6 @@
 <file path=ppt/slides/slide2.xml><?xml version="1.0" encoding="utf-8"?>
 <p:sld xmlns:a="http://schemas.openxmlformats.org/drawingml/2006/main" xmlns:r="http://schemas.openxmlformats.org/officeDocument/2006/relationships" xmlns:p="http://schemas.openxmlformats.org/presentationml/2006/main">
   <p:cSld>
-    <p:bg>
-      <p:bgPr>
-        <a:solidFill>
-          <a:srgbClr val="1A1B24"/>
-        </a:solidFill>
-        <a:effectLst/>
-      </p:bgPr>
-    </p:bg>
     <p:spTree>
       <p:nvGrpSpPr>
         <p:cNvPr id="1" name=""/>
@@ -5312,6 +5778,53 @@
               <a:latin typeface="SolaimanLipi" panose="02000500020000020004" pitchFamily="2" charset="0"/>
               <a:cs typeface="SolaimanLipi" panose="02000500020000020004" pitchFamily="2" charset="0"/>
             </a:endParaRPr>
+          </a:p>
+        </p:txBody>
+      </p:sp>
+      <p:sp>
+        <p:nvSpPr>
+          <p:cNvPr id="3" name="Rectangle 2">
+            <a:extLst>
+              <a:ext uri="{FF2B5EF4-FFF2-40B4-BE49-F238E27FC236}">
+                <a16:creationId xmlns:a16="http://schemas.microsoft.com/office/drawing/2014/main" id="{4C50F69D-AB39-41CD-91FA-6C09ADE46295}"/>
+              </a:ext>
+            </a:extLst>
+          </p:cNvPr>
+          <p:cNvSpPr/>
+          <p:nvPr/>
+        </p:nvSpPr>
+        <p:spPr>
+          <a:xfrm>
+            <a:off x="100325" y="2635986"/>
+            <a:ext cx="2402710" cy="338554"/>
+          </a:xfrm>
+          <a:prstGeom prst="rect">
+            <a:avLst/>
+          </a:prstGeom>
+          <a:noFill/>
+        </p:spPr>
+        <p:style>
+          <a:lnRef idx="2">
+            <a:schemeClr val="accent1">
+              <a:shade val="50000"/>
+            </a:schemeClr>
+          </a:lnRef>
+          <a:fillRef idx="1">
+            <a:schemeClr val="accent1"/>
+          </a:fillRef>
+          <a:effectRef idx="0">
+            <a:schemeClr val="accent1"/>
+          </a:effectRef>
+          <a:fontRef idx="minor">
+            <a:schemeClr val="lt1"/>
+          </a:fontRef>
+        </p:style>
+        <p:txBody>
+          <a:bodyPr rtlCol="0" anchor="ctr"/>
+          <a:lstStyle/>
+          <a:p>
+            <a:pPr algn="ctr"/>
+            <a:endParaRPr lang="en-US"/>
           </a:p>
         </p:txBody>
       </p:sp>
@@ -5409,6 +5922,271 @@
                       </p:childTnLst>
                     </p:cTn>
                   </p:par>
+                  <p:par>
+                    <p:cTn id="9" fill="hold">
+                      <p:stCondLst>
+                        <p:cond delay="indefinite"/>
+                      </p:stCondLst>
+                      <p:childTnLst>
+                        <p:par>
+                          <p:cTn id="10" fill="hold">
+                            <p:stCondLst>
+                              <p:cond delay="0"/>
+                            </p:stCondLst>
+                            <p:childTnLst>
+                              <p:par>
+                                <p:cTn id="11" presetID="10" presetClass="entr" presetSubtype="0" fill="hold" grpId="0" nodeType="clickEffect">
+                                  <p:stCondLst>
+                                    <p:cond delay="0"/>
+                                  </p:stCondLst>
+                                  <p:childTnLst>
+                                    <p:set>
+                                      <p:cBhvr>
+                                        <p:cTn id="12" dur="1" fill="hold">
+                                          <p:stCondLst>
+                                            <p:cond delay="0"/>
+                                          </p:stCondLst>
+                                        </p:cTn>
+                                        <p:tgtEl>
+                                          <p:spTgt spid="6"/>
+                                        </p:tgtEl>
+                                        <p:attrNameLst>
+                                          <p:attrName>style.visibility</p:attrName>
+                                        </p:attrNameLst>
+                                      </p:cBhvr>
+                                      <p:to>
+                                        <p:strVal val="visible"/>
+                                      </p:to>
+                                    </p:set>
+                                    <p:animEffect transition="in" filter="fade">
+                                      <p:cBhvr>
+                                        <p:cTn id="13" dur="500"/>
+                                        <p:tgtEl>
+                                          <p:spTgt spid="6"/>
+                                        </p:tgtEl>
+                                      </p:cBhvr>
+                                    </p:animEffect>
+                                  </p:childTnLst>
+                                </p:cTn>
+                              </p:par>
+                            </p:childTnLst>
+                          </p:cTn>
+                        </p:par>
+                      </p:childTnLst>
+                    </p:cTn>
+                  </p:par>
+                  <p:par>
+                    <p:cTn id="14" fill="hold">
+                      <p:stCondLst>
+                        <p:cond delay="indefinite"/>
+                      </p:stCondLst>
+                      <p:childTnLst>
+                        <p:par>
+                          <p:cTn id="15" fill="hold">
+                            <p:stCondLst>
+                              <p:cond delay="0"/>
+                            </p:stCondLst>
+                            <p:childTnLst>
+                              <p:par>
+                                <p:cTn id="16" presetID="10" presetClass="entr" presetSubtype="0" fill="hold" grpId="0" nodeType="clickEffect">
+                                  <p:stCondLst>
+                                    <p:cond delay="0"/>
+                                  </p:stCondLst>
+                                  <p:childTnLst>
+                                    <p:set>
+                                      <p:cBhvr>
+                                        <p:cTn id="17" dur="1" fill="hold">
+                                          <p:stCondLst>
+                                            <p:cond delay="0"/>
+                                          </p:stCondLst>
+                                        </p:cTn>
+                                        <p:tgtEl>
+                                          <p:spTgt spid="12"/>
+                                        </p:tgtEl>
+                                        <p:attrNameLst>
+                                          <p:attrName>style.visibility</p:attrName>
+                                        </p:attrNameLst>
+                                      </p:cBhvr>
+                                      <p:to>
+                                        <p:strVal val="visible"/>
+                                      </p:to>
+                                    </p:set>
+                                    <p:animEffect transition="in" filter="fade">
+                                      <p:cBhvr>
+                                        <p:cTn id="18" dur="500"/>
+                                        <p:tgtEl>
+                                          <p:spTgt spid="12"/>
+                                        </p:tgtEl>
+                                      </p:cBhvr>
+                                    </p:animEffect>
+                                  </p:childTnLst>
+                                </p:cTn>
+                              </p:par>
+                            </p:childTnLst>
+                          </p:cTn>
+                        </p:par>
+                      </p:childTnLst>
+                    </p:cTn>
+                  </p:par>
+                  <p:par>
+                    <p:cTn id="19" fill="hold">
+                      <p:stCondLst>
+                        <p:cond delay="indefinite"/>
+                      </p:stCondLst>
+                      <p:childTnLst>
+                        <p:par>
+                          <p:cTn id="20" fill="hold">
+                            <p:stCondLst>
+                              <p:cond delay="0"/>
+                            </p:stCondLst>
+                            <p:childTnLst>
+                              <p:par>
+                                <p:cTn id="21" presetID="10" presetClass="entr" presetSubtype="0" fill="hold" grpId="0" nodeType="clickEffect">
+                                  <p:stCondLst>
+                                    <p:cond delay="0"/>
+                                  </p:stCondLst>
+                                  <p:childTnLst>
+                                    <p:set>
+                                      <p:cBhvr>
+                                        <p:cTn id="22" dur="1" fill="hold">
+                                          <p:stCondLst>
+                                            <p:cond delay="0"/>
+                                          </p:stCondLst>
+                                        </p:cTn>
+                                        <p:tgtEl>
+                                          <p:spTgt spid="14"/>
+                                        </p:tgtEl>
+                                        <p:attrNameLst>
+                                          <p:attrName>style.visibility</p:attrName>
+                                        </p:attrNameLst>
+                                      </p:cBhvr>
+                                      <p:to>
+                                        <p:strVal val="visible"/>
+                                      </p:to>
+                                    </p:set>
+                                    <p:animEffect transition="in" filter="fade">
+                                      <p:cBhvr>
+                                        <p:cTn id="23" dur="500"/>
+                                        <p:tgtEl>
+                                          <p:spTgt spid="14"/>
+                                        </p:tgtEl>
+                                      </p:cBhvr>
+                                    </p:animEffect>
+                                  </p:childTnLst>
+                                </p:cTn>
+                              </p:par>
+                            </p:childTnLst>
+                          </p:cTn>
+                        </p:par>
+                      </p:childTnLst>
+                    </p:cTn>
+                  </p:par>
+                  <p:par>
+                    <p:cTn id="24" fill="hold">
+                      <p:stCondLst>
+                        <p:cond delay="indefinite"/>
+                      </p:stCondLst>
+                      <p:childTnLst>
+                        <p:par>
+                          <p:cTn id="25" fill="hold">
+                            <p:stCondLst>
+                              <p:cond delay="0"/>
+                            </p:stCondLst>
+                            <p:childTnLst>
+                              <p:par>
+                                <p:cTn id="26" presetID="10" presetClass="entr" presetSubtype="0" fill="hold" grpId="0" nodeType="clickEffect">
+                                  <p:stCondLst>
+                                    <p:cond delay="0"/>
+                                  </p:stCondLst>
+                                  <p:childTnLst>
+                                    <p:set>
+                                      <p:cBhvr>
+                                        <p:cTn id="27" dur="1" fill="hold">
+                                          <p:stCondLst>
+                                            <p:cond delay="0"/>
+                                          </p:stCondLst>
+                                        </p:cTn>
+                                        <p:tgtEl>
+                                          <p:spTgt spid="15"/>
+                                        </p:tgtEl>
+                                        <p:attrNameLst>
+                                          <p:attrName>style.visibility</p:attrName>
+                                        </p:attrNameLst>
+                                      </p:cBhvr>
+                                      <p:to>
+                                        <p:strVal val="visible"/>
+                                      </p:to>
+                                    </p:set>
+                                    <p:animEffect transition="in" filter="fade">
+                                      <p:cBhvr>
+                                        <p:cTn id="28" dur="500"/>
+                                        <p:tgtEl>
+                                          <p:spTgt spid="15"/>
+                                        </p:tgtEl>
+                                      </p:cBhvr>
+                                    </p:animEffect>
+                                  </p:childTnLst>
+                                </p:cTn>
+                              </p:par>
+                            </p:childTnLst>
+                          </p:cTn>
+                        </p:par>
+                      </p:childTnLst>
+                    </p:cTn>
+                  </p:par>
+                  <p:par>
+                    <p:cTn id="29" fill="hold">
+                      <p:stCondLst>
+                        <p:cond delay="indefinite"/>
+                      </p:stCondLst>
+                      <p:childTnLst>
+                        <p:par>
+                          <p:cTn id="30" fill="hold">
+                            <p:stCondLst>
+                              <p:cond delay="0"/>
+                            </p:stCondLst>
+                            <p:childTnLst>
+                              <p:par>
+                                <p:cTn id="31" presetID="10" presetClass="entr" presetSubtype="0" fill="hold" grpId="0" nodeType="clickEffect">
+                                  <p:stCondLst>
+                                    <p:cond delay="0"/>
+                                  </p:stCondLst>
+                                  <p:childTnLst>
+                                    <p:set>
+                                      <p:cBhvr>
+                                        <p:cTn id="32" dur="1" fill="hold">
+                                          <p:stCondLst>
+                                            <p:cond delay="0"/>
+                                          </p:stCondLst>
+                                        </p:cTn>
+                                        <p:tgtEl>
+                                          <p:spTgt spid="18"/>
+                                        </p:tgtEl>
+                                        <p:attrNameLst>
+                                          <p:attrName>style.visibility</p:attrName>
+                                        </p:attrNameLst>
+                                      </p:cBhvr>
+                                      <p:to>
+                                        <p:strVal val="visible"/>
+                                      </p:to>
+                                    </p:set>
+                                    <p:animEffect transition="in" filter="fade">
+                                      <p:cBhvr>
+                                        <p:cTn id="33" dur="500"/>
+                                        <p:tgtEl>
+                                          <p:spTgt spid="18"/>
+                                        </p:tgtEl>
+                                      </p:cBhvr>
+                                    </p:animEffect>
+                                  </p:childTnLst>
+                                </p:cTn>
+                              </p:par>
+                            </p:childTnLst>
+                          </p:cTn>
+                        </p:par>
+                      </p:childTnLst>
+                    </p:cTn>
+                  </p:par>
                 </p:childTnLst>
               </p:cTn>
               <p:prevCondLst>
@@ -5432,6 +6210,11 @@
     </p:tnLst>
     <p:bldLst>
       <p:bldP spid="17" grpId="0"/>
+      <p:bldP spid="6" grpId="0"/>
+      <p:bldP spid="12" grpId="0"/>
+      <p:bldP spid="14" grpId="0"/>
+      <p:bldP spid="15" grpId="0"/>
+      <p:bldP spid="18" grpId="0"/>
     </p:bldLst>
   </p:timing>
 </p:sld>
@@ -5440,14 +6223,6 @@
 <file path=ppt/slides/slide3.xml><?xml version="1.0" encoding="utf-8"?>
 <p:sld xmlns:a="http://schemas.openxmlformats.org/drawingml/2006/main" xmlns:r="http://schemas.openxmlformats.org/officeDocument/2006/relationships" xmlns:p="http://schemas.openxmlformats.org/presentationml/2006/main">
   <p:cSld>
-    <p:bg>
-      <p:bgPr>
-        <a:solidFill>
-          <a:srgbClr val="1A1B24"/>
-        </a:solidFill>
-        <a:effectLst/>
-      </p:bgPr>
-    </p:bg>
     <p:spTree>
       <p:nvGrpSpPr>
         <p:cNvPr id="1" name=""/>
@@ -7595,14 +8370,6 @@
 <file path=ppt/slides/slide4.xml><?xml version="1.0" encoding="utf-8"?>
 <p:sld xmlns:a="http://schemas.openxmlformats.org/drawingml/2006/main" xmlns:r="http://schemas.openxmlformats.org/officeDocument/2006/relationships" xmlns:p="http://schemas.openxmlformats.org/presentationml/2006/main">
   <p:cSld>
-    <p:bg>
-      <p:bgPr>
-        <a:solidFill>
-          <a:srgbClr val="1A1B24"/>
-        </a:solidFill>
-        <a:effectLst/>
-      </p:bgPr>
-    </p:bg>
     <p:spTree>
       <p:nvGrpSpPr>
         <p:cNvPr id="1" name=""/>
@@ -8151,14 +8918,6 @@
 <file path=ppt/slides/slide5.xml><?xml version="1.0" encoding="utf-8"?>
 <p:sld xmlns:a="http://schemas.openxmlformats.org/drawingml/2006/main" xmlns:r="http://schemas.openxmlformats.org/officeDocument/2006/relationships" xmlns:p="http://schemas.openxmlformats.org/presentationml/2006/main">
   <p:cSld>
-    <p:bg>
-      <p:bgPr>
-        <a:solidFill>
-          <a:srgbClr val="1A1B24"/>
-        </a:solidFill>
-        <a:effectLst/>
-      </p:bgPr>
-    </p:bg>
     <p:spTree>
       <p:nvGrpSpPr>
         <p:cNvPr id="1" name=""/>
@@ -8695,14 +9454,184 @@
               </a:lnSpc>
             </a:pPr>
             <a:r>
-              <a:rPr lang="as-IN" sz="2400" dirty="0">
-                <a:solidFill>
-                  <a:schemeClr val="bg1"/>
-                </a:solidFill>
-                <a:latin typeface="SolaimanLipi" panose="02000500020000020004" pitchFamily="2" charset="0"/>
-                <a:cs typeface="SolaimanLipi" panose="02000500020000020004" pitchFamily="2" charset="0"/>
-              </a:rPr>
-              <a:t>এই অপারেটরগুলি গণিতের সাধারণ কাজ সম্পাদন করতে ব্যবহৃত হয়:</a:t>
+              <a:rPr lang="en-US" sz="2400" dirty="0" err="1">
+                <a:solidFill>
+                  <a:schemeClr val="bg1"/>
+                </a:solidFill>
+                <a:latin typeface="SolaimanLipi" panose="02000500020000020004" pitchFamily="2" charset="0"/>
+                <a:cs typeface="SolaimanLipi" panose="02000500020000020004" pitchFamily="2" charset="0"/>
+              </a:rPr>
+              <a:t>ভেরিয়েবল</a:t>
+            </a:r>
+            <a:r>
+              <a:rPr lang="en-US" sz="2400" dirty="0">
+                <a:solidFill>
+                  <a:schemeClr val="bg1"/>
+                </a:solidFill>
+                <a:latin typeface="SolaimanLipi" panose="02000500020000020004" pitchFamily="2" charset="0"/>
+                <a:cs typeface="SolaimanLipi" panose="02000500020000020004" pitchFamily="2" charset="0"/>
+              </a:rPr>
+              <a:t> </a:t>
+            </a:r>
+            <a:r>
+              <a:rPr lang="en-US" sz="2400" dirty="0" err="1">
+                <a:solidFill>
+                  <a:schemeClr val="bg1"/>
+                </a:solidFill>
+                <a:latin typeface="SolaimanLipi" panose="02000500020000020004" pitchFamily="2" charset="0"/>
+                <a:cs typeface="SolaimanLipi" panose="02000500020000020004" pitchFamily="2" charset="0"/>
+              </a:rPr>
+              <a:t>এর</a:t>
+            </a:r>
+            <a:r>
+              <a:rPr lang="en-US" sz="2400" dirty="0">
+                <a:solidFill>
+                  <a:schemeClr val="bg1"/>
+                </a:solidFill>
+                <a:latin typeface="SolaimanLipi" panose="02000500020000020004" pitchFamily="2" charset="0"/>
+                <a:cs typeface="SolaimanLipi" panose="02000500020000020004" pitchFamily="2" charset="0"/>
+              </a:rPr>
+              <a:t> </a:t>
+            </a:r>
+            <a:r>
+              <a:rPr lang="en-US" sz="2400" dirty="0" err="1">
+                <a:solidFill>
+                  <a:schemeClr val="bg1"/>
+                </a:solidFill>
+                <a:latin typeface="SolaimanLipi" panose="02000500020000020004" pitchFamily="2" charset="0"/>
+                <a:cs typeface="SolaimanLipi" panose="02000500020000020004" pitchFamily="2" charset="0"/>
+              </a:rPr>
+              <a:t>ভিতর</a:t>
+            </a:r>
+            <a:r>
+              <a:rPr lang="en-US" sz="2400" dirty="0">
+                <a:solidFill>
+                  <a:schemeClr val="bg1"/>
+                </a:solidFill>
+                <a:latin typeface="SolaimanLipi" panose="02000500020000020004" pitchFamily="2" charset="0"/>
+                <a:cs typeface="SolaimanLipi" panose="02000500020000020004" pitchFamily="2" charset="0"/>
+              </a:rPr>
+              <a:t> </a:t>
+            </a:r>
+            <a:r>
+              <a:rPr lang="en-US" sz="2400" dirty="0" err="1">
+                <a:solidFill>
+                  <a:schemeClr val="bg1"/>
+                </a:solidFill>
+                <a:latin typeface="SolaimanLipi" panose="02000500020000020004" pitchFamily="2" charset="0"/>
+                <a:cs typeface="SolaimanLipi" panose="02000500020000020004" pitchFamily="2" charset="0"/>
+              </a:rPr>
+              <a:t>মান</a:t>
+            </a:r>
+            <a:r>
+              <a:rPr lang="en-US" sz="2400" dirty="0">
+                <a:solidFill>
+                  <a:schemeClr val="bg1"/>
+                </a:solidFill>
+                <a:latin typeface="SolaimanLipi" panose="02000500020000020004" pitchFamily="2" charset="0"/>
+                <a:cs typeface="SolaimanLipi" panose="02000500020000020004" pitchFamily="2" charset="0"/>
+              </a:rPr>
+              <a:t> </a:t>
+            </a:r>
+            <a:r>
+              <a:rPr lang="en-US" sz="2400" dirty="0" err="1">
+                <a:solidFill>
+                  <a:schemeClr val="bg1"/>
+                </a:solidFill>
+                <a:latin typeface="SolaimanLipi" panose="02000500020000020004" pitchFamily="2" charset="0"/>
+                <a:cs typeface="SolaimanLipi" panose="02000500020000020004" pitchFamily="2" charset="0"/>
+              </a:rPr>
+              <a:t>রাখতে</a:t>
+            </a:r>
+            <a:r>
+              <a:rPr lang="en-US" sz="2400" dirty="0">
+                <a:solidFill>
+                  <a:schemeClr val="bg1"/>
+                </a:solidFill>
+                <a:latin typeface="SolaimanLipi" panose="02000500020000020004" pitchFamily="2" charset="0"/>
+                <a:cs typeface="SolaimanLipi" panose="02000500020000020004" pitchFamily="2" charset="0"/>
+              </a:rPr>
+              <a:t> </a:t>
+            </a:r>
+            <a:r>
+              <a:rPr lang="en-US" sz="2400" dirty="0" err="1">
+                <a:solidFill>
+                  <a:schemeClr val="bg1"/>
+                </a:solidFill>
+                <a:latin typeface="SolaimanLipi" panose="02000500020000020004" pitchFamily="2" charset="0"/>
+                <a:cs typeface="SolaimanLipi" panose="02000500020000020004" pitchFamily="2" charset="0"/>
+              </a:rPr>
+              <a:t>এই</a:t>
+            </a:r>
+            <a:r>
+              <a:rPr lang="en-US" sz="2400" dirty="0">
+                <a:solidFill>
+                  <a:schemeClr val="bg1"/>
+                </a:solidFill>
+                <a:latin typeface="SolaimanLipi" panose="02000500020000020004" pitchFamily="2" charset="0"/>
+                <a:cs typeface="SolaimanLipi" panose="02000500020000020004" pitchFamily="2" charset="0"/>
+              </a:rPr>
+              <a:t> </a:t>
+            </a:r>
+            <a:r>
+              <a:rPr lang="en-US" sz="2400" dirty="0" err="1">
+                <a:solidFill>
+                  <a:schemeClr val="bg1"/>
+                </a:solidFill>
+                <a:latin typeface="SolaimanLipi" panose="02000500020000020004" pitchFamily="2" charset="0"/>
+                <a:cs typeface="SolaimanLipi" panose="02000500020000020004" pitchFamily="2" charset="0"/>
+              </a:rPr>
+              <a:t>অপারেটর</a:t>
+            </a:r>
+            <a:r>
+              <a:rPr lang="en-US" sz="2400" dirty="0">
+                <a:solidFill>
+                  <a:schemeClr val="bg1"/>
+                </a:solidFill>
+                <a:latin typeface="SolaimanLipi" panose="02000500020000020004" pitchFamily="2" charset="0"/>
+                <a:cs typeface="SolaimanLipi" panose="02000500020000020004" pitchFamily="2" charset="0"/>
+              </a:rPr>
+              <a:t> </a:t>
+            </a:r>
+            <a:r>
+              <a:rPr lang="en-US" sz="2400" dirty="0" err="1">
+                <a:solidFill>
+                  <a:schemeClr val="bg1"/>
+                </a:solidFill>
+                <a:latin typeface="SolaimanLipi" panose="02000500020000020004" pitchFamily="2" charset="0"/>
+                <a:cs typeface="SolaimanLipi" panose="02000500020000020004" pitchFamily="2" charset="0"/>
+              </a:rPr>
+              <a:t>ব্যবহৃত</a:t>
+            </a:r>
+            <a:r>
+              <a:rPr lang="en-US" sz="2400" dirty="0">
+                <a:solidFill>
+                  <a:schemeClr val="bg1"/>
+                </a:solidFill>
+                <a:latin typeface="SolaimanLipi" panose="02000500020000020004" pitchFamily="2" charset="0"/>
+                <a:cs typeface="SolaimanLipi" panose="02000500020000020004" pitchFamily="2" charset="0"/>
+              </a:rPr>
+              <a:t> </a:t>
+            </a:r>
+            <a:r>
+              <a:rPr lang="en-US" sz="2400" dirty="0" err="1">
+                <a:solidFill>
+                  <a:schemeClr val="bg1"/>
+                </a:solidFill>
+                <a:latin typeface="SolaimanLipi" panose="02000500020000020004" pitchFamily="2" charset="0"/>
+                <a:cs typeface="SolaimanLipi" panose="02000500020000020004" pitchFamily="2" charset="0"/>
+              </a:rPr>
+              <a:t>হয়</a:t>
+            </a:r>
+            <a:r>
+              <a:rPr lang="en-US" sz="2400" dirty="0">
+                <a:solidFill>
+                  <a:schemeClr val="bg1"/>
+                </a:solidFill>
+                <a:latin typeface="SolaimanLipi" panose="02000500020000020004" pitchFamily="2" charset="0"/>
+                <a:cs typeface="SolaimanLipi" panose="02000500020000020004" pitchFamily="2" charset="0"/>
+              </a:rPr>
+              <a:t>। </a:t>
             </a:r>
             <a:endParaRPr lang="as-IN" sz="2400" dirty="0">
               <a:solidFill>
@@ -8772,7 +9701,7 @@
         <p:spPr>
           <a:xfrm>
             <a:off x="2962885" y="1998916"/>
-            <a:ext cx="4536819" cy="369332"/>
+            <a:ext cx="4179349" cy="369332"/>
           </a:xfrm>
           <a:prstGeom prst="rect">
             <a:avLst/>
@@ -8863,7 +9792,7 @@
                 <a:latin typeface="Montserrat Black" pitchFamily="2" charset="0"/>
                 <a:cs typeface="SolaimanLipi" panose="02000500020000020004" pitchFamily="2" charset="0"/>
               </a:rPr>
-              <a:t> sum =  a + b ;</a:t>
+              <a:t> sum =  20;</a:t>
             </a:r>
             <a:endParaRPr lang="en-US" dirty="0">
               <a:solidFill>
@@ -9448,6 +10377,95 @@
               <a:latin typeface="SolaimanLipi" panose="02000500020000020004" pitchFamily="2" charset="0"/>
               <a:cs typeface="SolaimanLipi" panose="02000500020000020004" pitchFamily="2" charset="0"/>
             </a:endParaRPr>
+          </a:p>
+        </p:txBody>
+      </p:sp>
+      <p:sp>
+        <p:nvSpPr>
+          <p:cNvPr id="19" name="TextBox 18">
+            <a:extLst>
+              <a:ext uri="{FF2B5EF4-FFF2-40B4-BE49-F238E27FC236}">
+                <a16:creationId xmlns:a16="http://schemas.microsoft.com/office/drawing/2014/main" id="{9104C1A7-265C-4978-8AD3-A90282469BE2}"/>
+              </a:ext>
+            </a:extLst>
+          </p:cNvPr>
+          <p:cNvSpPr txBox="1"/>
+          <p:nvPr/>
+        </p:nvSpPr>
+        <p:spPr>
+          <a:xfrm>
+            <a:off x="9613306" y="1357859"/>
+            <a:ext cx="1764062" cy="369332"/>
+          </a:xfrm>
+          <a:prstGeom prst="rect">
+            <a:avLst/>
+          </a:prstGeom>
+          <a:noFill/>
+        </p:spPr>
+        <p:txBody>
+          <a:bodyPr wrap="square">
+            <a:spAutoFit/>
+          </a:bodyPr>
+          <a:lstStyle/>
+          <a:p>
+            <a:r>
+              <a:rPr lang="en-US" dirty="0">
+                <a:solidFill>
+                  <a:srgbClr val="FFB119"/>
+                </a:solidFill>
+                <a:latin typeface="Montserrat Black" pitchFamily="2" charset="0"/>
+                <a:cs typeface="SolaimanLipi" panose="02000500020000020004" pitchFamily="2" charset="0"/>
+              </a:rPr>
+              <a:t>a = 10; b = 5</a:t>
+            </a:r>
+            <a:endParaRPr lang="en-US" dirty="0"/>
+          </a:p>
+        </p:txBody>
+      </p:sp>
+      <p:sp>
+        <p:nvSpPr>
+          <p:cNvPr id="20" name="Rectangle 19">
+            <a:extLst>
+              <a:ext uri="{FF2B5EF4-FFF2-40B4-BE49-F238E27FC236}">
+                <a16:creationId xmlns:a16="http://schemas.microsoft.com/office/drawing/2014/main" id="{6A92B495-651C-4D4E-A233-7A61BB998E90}"/>
+              </a:ext>
+            </a:extLst>
+          </p:cNvPr>
+          <p:cNvSpPr/>
+          <p:nvPr/>
+        </p:nvSpPr>
+        <p:spPr>
+          <a:xfrm>
+            <a:off x="100325" y="3236061"/>
+            <a:ext cx="2402710" cy="338554"/>
+          </a:xfrm>
+          <a:prstGeom prst="rect">
+            <a:avLst/>
+          </a:prstGeom>
+          <a:noFill/>
+        </p:spPr>
+        <p:style>
+          <a:lnRef idx="2">
+            <a:schemeClr val="accent1">
+              <a:shade val="50000"/>
+            </a:schemeClr>
+          </a:lnRef>
+          <a:fillRef idx="1">
+            <a:schemeClr val="accent1"/>
+          </a:fillRef>
+          <a:effectRef idx="0">
+            <a:schemeClr val="accent1"/>
+          </a:effectRef>
+          <a:fontRef idx="minor">
+            <a:schemeClr val="lt1"/>
+          </a:fontRef>
+        </p:style>
+        <p:txBody>
+          <a:bodyPr rtlCol="0" anchor="ctr"/>
+          <a:lstStyle/>
+          <a:p>
+            <a:pPr algn="ctr"/>
+            <a:endParaRPr lang="en-US"/>
           </a:p>
         </p:txBody>
       </p:sp>
@@ -9677,7 +10695,7 @@
                                           </p:stCondLst>
                                         </p:cTn>
                                         <p:tgtEl>
-                                          <p:spTgt spid="15"/>
+                                          <p:spTgt spid="19"/>
                                         </p:tgtEl>
                                         <p:attrNameLst>
                                           <p:attrName>style.visibility</p:attrName>
@@ -9691,7 +10709,7 @@
                                       <p:cBhvr>
                                         <p:cTn id="23" dur="500"/>
                                         <p:tgtEl>
-                                          <p:spTgt spid="15"/>
+                                          <p:spTgt spid="19"/>
                                         </p:tgtEl>
                                       </p:cBhvr>
                                     </p:animEffect>
@@ -9730,7 +10748,7 @@
                                           </p:stCondLst>
                                         </p:cTn>
                                         <p:tgtEl>
-                                          <p:spTgt spid="17"/>
+                                          <p:spTgt spid="15"/>
                                         </p:tgtEl>
                                         <p:attrNameLst>
                                           <p:attrName>style.visibility</p:attrName>
@@ -9744,7 +10762,7 @@
                                       <p:cBhvr>
                                         <p:cTn id="28" dur="500"/>
                                         <p:tgtEl>
-                                          <p:spTgt spid="17"/>
+                                          <p:spTgt spid="15"/>
                                         </p:tgtEl>
                                       </p:cBhvr>
                                     </p:animEffect>
@@ -9783,6 +10801,59 @@
                                           </p:stCondLst>
                                         </p:cTn>
                                         <p:tgtEl>
+                                          <p:spTgt spid="17"/>
+                                        </p:tgtEl>
+                                        <p:attrNameLst>
+                                          <p:attrName>style.visibility</p:attrName>
+                                        </p:attrNameLst>
+                                      </p:cBhvr>
+                                      <p:to>
+                                        <p:strVal val="visible"/>
+                                      </p:to>
+                                    </p:set>
+                                    <p:animEffect transition="in" filter="fade">
+                                      <p:cBhvr>
+                                        <p:cTn id="33" dur="500"/>
+                                        <p:tgtEl>
+                                          <p:spTgt spid="17"/>
+                                        </p:tgtEl>
+                                      </p:cBhvr>
+                                    </p:animEffect>
+                                  </p:childTnLst>
+                                </p:cTn>
+                              </p:par>
+                            </p:childTnLst>
+                          </p:cTn>
+                        </p:par>
+                      </p:childTnLst>
+                    </p:cTn>
+                  </p:par>
+                  <p:par>
+                    <p:cTn id="34" fill="hold">
+                      <p:stCondLst>
+                        <p:cond delay="indefinite"/>
+                      </p:stCondLst>
+                      <p:childTnLst>
+                        <p:par>
+                          <p:cTn id="35" fill="hold">
+                            <p:stCondLst>
+                              <p:cond delay="0"/>
+                            </p:stCondLst>
+                            <p:childTnLst>
+                              <p:par>
+                                <p:cTn id="36" presetID="10" presetClass="entr" presetSubtype="0" fill="hold" grpId="0" nodeType="clickEffect">
+                                  <p:stCondLst>
+                                    <p:cond delay="0"/>
+                                  </p:stCondLst>
+                                  <p:childTnLst>
+                                    <p:set>
+                                      <p:cBhvr>
+                                        <p:cTn id="37" dur="1" fill="hold">
+                                          <p:stCondLst>
+                                            <p:cond delay="0"/>
+                                          </p:stCondLst>
+                                        </p:cTn>
+                                        <p:tgtEl>
                                           <p:spTgt spid="18"/>
                                         </p:tgtEl>
                                         <p:attrNameLst>
@@ -9795,7 +10866,7 @@
                                     </p:set>
                                     <p:animEffect transition="in" filter="fade">
                                       <p:cBhvr>
-                                        <p:cTn id="33" dur="500"/>
+                                        <p:cTn id="38" dur="500"/>
                                         <p:tgtEl>
                                           <p:spTgt spid="18"/>
                                         </p:tgtEl>
@@ -9838,6 +10909,7 @@
       <p:bldP spid="15" grpId="0"/>
       <p:bldP spid="17" grpId="0"/>
       <p:bldP spid="18" grpId="0"/>
+      <p:bldP spid="19" grpId="0"/>
     </p:bldLst>
   </p:timing>
 </p:sld>
@@ -9846,14 +10918,6 @@
 <file path=ppt/slides/slide6.xml><?xml version="1.0" encoding="utf-8"?>
 <p:sld xmlns:a="http://schemas.openxmlformats.org/drawingml/2006/main" xmlns:r="http://schemas.openxmlformats.org/officeDocument/2006/relationships" xmlns:p="http://schemas.openxmlformats.org/presentationml/2006/main">
   <p:cSld>
-    <p:bg>
-      <p:bgPr>
-        <a:solidFill>
-          <a:srgbClr val="1A1B24"/>
-        </a:solidFill>
-        <a:effectLst/>
-      </p:bgPr>
-    </p:bg>
     <p:spTree>
       <p:nvGrpSpPr>
         <p:cNvPr id="1" name=""/>
@@ -11477,6 +12541,53 @@
               <a:latin typeface="SolaimanLipi" panose="02000500020000020004" pitchFamily="2" charset="0"/>
               <a:cs typeface="SolaimanLipi" panose="02000500020000020004" pitchFamily="2" charset="0"/>
             </a:endParaRPr>
+          </a:p>
+        </p:txBody>
+      </p:sp>
+      <p:sp>
+        <p:nvSpPr>
+          <p:cNvPr id="20" name="Rectangle 19">
+            <a:extLst>
+              <a:ext uri="{FF2B5EF4-FFF2-40B4-BE49-F238E27FC236}">
+                <a16:creationId xmlns:a16="http://schemas.microsoft.com/office/drawing/2014/main" id="{141D1EB5-0AC6-44A6-B9EF-DD610166A207}"/>
+              </a:ext>
+            </a:extLst>
+          </p:cNvPr>
+          <p:cNvSpPr/>
+          <p:nvPr/>
+        </p:nvSpPr>
+        <p:spPr>
+          <a:xfrm>
+            <a:off x="109850" y="3845661"/>
+            <a:ext cx="2402710" cy="338554"/>
+          </a:xfrm>
+          <a:prstGeom prst="rect">
+            <a:avLst/>
+          </a:prstGeom>
+          <a:noFill/>
+        </p:spPr>
+        <p:style>
+          <a:lnRef idx="2">
+            <a:schemeClr val="accent1">
+              <a:shade val="50000"/>
+            </a:schemeClr>
+          </a:lnRef>
+          <a:fillRef idx="1">
+            <a:schemeClr val="accent1"/>
+          </a:fillRef>
+          <a:effectRef idx="0">
+            <a:schemeClr val="accent1"/>
+          </a:effectRef>
+          <a:fontRef idx="minor">
+            <a:schemeClr val="lt1"/>
+          </a:fontRef>
+        </p:style>
+        <p:txBody>
+          <a:bodyPr rtlCol="0" anchor="ctr"/>
+          <a:lstStyle/>
+          <a:p>
+            <a:pPr algn="ctr"/>
+            <a:endParaRPr lang="en-US"/>
           </a:p>
         </p:txBody>
       </p:sp>
@@ -11929,14 +13040,6 @@
 <file path=ppt/slides/slide7.xml><?xml version="1.0" encoding="utf-8"?>
 <p:sld xmlns:a="http://schemas.openxmlformats.org/drawingml/2006/main" xmlns:r="http://schemas.openxmlformats.org/officeDocument/2006/relationships" xmlns:p="http://schemas.openxmlformats.org/presentationml/2006/main">
   <p:cSld>
-    <p:bg>
-      <p:bgPr>
-        <a:solidFill>
-          <a:srgbClr val="1A1B24"/>
-        </a:solidFill>
-        <a:effectLst/>
-      </p:bgPr>
-    </p:bg>
     <p:spTree>
       <p:nvGrpSpPr>
         <p:cNvPr id="1" name=""/>
@@ -12480,7 +13583,157 @@
                 <a:latin typeface="SolaimanLipi" panose="02000500020000020004" pitchFamily="2" charset="0"/>
                 <a:cs typeface="SolaimanLipi" panose="02000500020000020004" pitchFamily="2" charset="0"/>
               </a:rPr>
-              <a:t>এই অপারেটরগুলি একটি মাত্র অপারেন্ডের উপর কাজ করে</a:t>
+              <a:t>এই অপারেটরগুলি </a:t>
+            </a:r>
+            <a:r>
+              <a:rPr lang="en-US" sz="2400">
+                <a:solidFill>
+                  <a:schemeClr val="bg1"/>
+                </a:solidFill>
+                <a:latin typeface="SolaimanLipi" panose="02000500020000020004" pitchFamily="2" charset="0"/>
+                <a:cs typeface="SolaimanLipi" panose="02000500020000020004" pitchFamily="2" charset="0"/>
+              </a:rPr>
+              <a:t>=</a:t>
+            </a:r>
+            <a:r>
+              <a:rPr lang="as-IN" sz="2400">
+                <a:solidFill>
+                  <a:schemeClr val="bg1"/>
+                </a:solidFill>
+                <a:latin typeface="SolaimanLipi" panose="02000500020000020004" pitchFamily="2" charset="0"/>
+                <a:cs typeface="SolaimanLipi" panose="02000500020000020004" pitchFamily="2" charset="0"/>
+              </a:rPr>
+              <a:t> </a:t>
+            </a:r>
+            <a:r>
+              <a:rPr lang="en-US" sz="2400" dirty="0" err="1">
+                <a:solidFill>
+                  <a:schemeClr val="bg1"/>
+                </a:solidFill>
+                <a:latin typeface="SolaimanLipi" panose="02000500020000020004" pitchFamily="2" charset="0"/>
+                <a:cs typeface="SolaimanLipi" panose="02000500020000020004" pitchFamily="2" charset="0"/>
+              </a:rPr>
+              <a:t>বিভিন্ন</a:t>
+            </a:r>
+            <a:r>
+              <a:rPr lang="en-US" sz="2400" dirty="0">
+                <a:solidFill>
+                  <a:schemeClr val="bg1"/>
+                </a:solidFill>
+                <a:latin typeface="SolaimanLipi" panose="02000500020000020004" pitchFamily="2" charset="0"/>
+                <a:cs typeface="SolaimanLipi" panose="02000500020000020004" pitchFamily="2" charset="0"/>
+              </a:rPr>
+              <a:t> </a:t>
+            </a:r>
+            <a:r>
+              <a:rPr lang="en-US" sz="2400" dirty="0" err="1">
+                <a:solidFill>
+                  <a:schemeClr val="bg1"/>
+                </a:solidFill>
+                <a:latin typeface="SolaimanLipi" panose="02000500020000020004" pitchFamily="2" charset="0"/>
+                <a:cs typeface="SolaimanLipi" panose="02000500020000020004" pitchFamily="2" charset="0"/>
+              </a:rPr>
+              <a:t>শর্তের</a:t>
+            </a:r>
+            <a:r>
+              <a:rPr lang="en-US" sz="2400" dirty="0">
+                <a:solidFill>
+                  <a:schemeClr val="bg1"/>
+                </a:solidFill>
+                <a:latin typeface="SolaimanLipi" panose="02000500020000020004" pitchFamily="2" charset="0"/>
+                <a:cs typeface="SolaimanLipi" panose="02000500020000020004" pitchFamily="2" charset="0"/>
+              </a:rPr>
+              <a:t> </a:t>
+            </a:r>
+            <a:r>
+              <a:rPr lang="en-US" sz="2400" dirty="0" err="1">
+                <a:solidFill>
+                  <a:schemeClr val="bg1"/>
+                </a:solidFill>
+                <a:latin typeface="SolaimanLipi" panose="02000500020000020004" pitchFamily="2" charset="0"/>
+                <a:cs typeface="SolaimanLipi" panose="02000500020000020004" pitchFamily="2" charset="0"/>
+              </a:rPr>
+              <a:t>উপর</a:t>
+            </a:r>
+            <a:r>
+              <a:rPr lang="en-US" sz="2400" dirty="0">
+                <a:solidFill>
+                  <a:schemeClr val="bg1"/>
+                </a:solidFill>
+                <a:latin typeface="SolaimanLipi" panose="02000500020000020004" pitchFamily="2" charset="0"/>
+                <a:cs typeface="SolaimanLipi" panose="02000500020000020004" pitchFamily="2" charset="0"/>
+              </a:rPr>
+              <a:t> </a:t>
+            </a:r>
+            <a:r>
+              <a:rPr lang="en-US" sz="2400" dirty="0" err="1">
+                <a:solidFill>
+                  <a:schemeClr val="bg1"/>
+                </a:solidFill>
+                <a:latin typeface="SolaimanLipi" panose="02000500020000020004" pitchFamily="2" charset="0"/>
+                <a:cs typeface="SolaimanLipi" panose="02000500020000020004" pitchFamily="2" charset="0"/>
+              </a:rPr>
+              <a:t>ভিত্তি</a:t>
+            </a:r>
+            <a:r>
+              <a:rPr lang="en-US" sz="2400" dirty="0">
+                <a:solidFill>
+                  <a:schemeClr val="bg1"/>
+                </a:solidFill>
+                <a:latin typeface="SolaimanLipi" panose="02000500020000020004" pitchFamily="2" charset="0"/>
+                <a:cs typeface="SolaimanLipi" panose="02000500020000020004" pitchFamily="2" charset="0"/>
+              </a:rPr>
+              <a:t> </a:t>
+            </a:r>
+            <a:r>
+              <a:rPr lang="en-US" sz="2400" dirty="0" err="1">
+                <a:solidFill>
+                  <a:schemeClr val="bg1"/>
+                </a:solidFill>
+                <a:latin typeface="SolaimanLipi" panose="02000500020000020004" pitchFamily="2" charset="0"/>
+                <a:cs typeface="SolaimanLipi" panose="02000500020000020004" pitchFamily="2" charset="0"/>
+              </a:rPr>
+              <a:t>করে</a:t>
+            </a:r>
+            <a:r>
+              <a:rPr lang="en-US" sz="2400" dirty="0">
+                <a:solidFill>
+                  <a:schemeClr val="bg1"/>
+                </a:solidFill>
+                <a:latin typeface="SolaimanLipi" panose="02000500020000020004" pitchFamily="2" charset="0"/>
+                <a:cs typeface="SolaimanLipi" panose="02000500020000020004" pitchFamily="2" charset="0"/>
+              </a:rPr>
+              <a:t> </a:t>
+            </a:r>
+            <a:r>
+              <a:rPr lang="en-US" sz="2400" dirty="0" err="1">
+                <a:solidFill>
+                  <a:schemeClr val="bg1"/>
+                </a:solidFill>
+                <a:latin typeface="SolaimanLipi" panose="02000500020000020004" pitchFamily="2" charset="0"/>
+                <a:cs typeface="SolaimanLipi" panose="02000500020000020004" pitchFamily="2" charset="0"/>
+              </a:rPr>
+              <a:t>কাজ</a:t>
+            </a:r>
+            <a:r>
+              <a:rPr lang="en-US" sz="2400" dirty="0">
+                <a:solidFill>
+                  <a:schemeClr val="bg1"/>
+                </a:solidFill>
+                <a:latin typeface="SolaimanLipi" panose="02000500020000020004" pitchFamily="2" charset="0"/>
+                <a:cs typeface="SolaimanLipi" panose="02000500020000020004" pitchFamily="2" charset="0"/>
+              </a:rPr>
+              <a:t> </a:t>
+            </a:r>
+            <a:r>
+              <a:rPr lang="en-US" sz="2400" dirty="0" err="1">
+                <a:solidFill>
+                  <a:schemeClr val="bg1"/>
+                </a:solidFill>
+                <a:latin typeface="SolaimanLipi" panose="02000500020000020004" pitchFamily="2" charset="0"/>
+                <a:cs typeface="SolaimanLipi" panose="02000500020000020004" pitchFamily="2" charset="0"/>
+              </a:rPr>
+              <a:t>করে</a:t>
             </a:r>
             <a:endParaRPr lang="as-IN" sz="2400" dirty="0">
               <a:solidFill>
@@ -12564,7 +13817,7 @@
         <p:spPr>
           <a:xfrm>
             <a:off x="2962885" y="1998916"/>
-            <a:ext cx="6715300" cy="369332"/>
+            <a:ext cx="9087744" cy="369332"/>
           </a:xfrm>
           <a:prstGeom prst="rect">
             <a:avLst/>
@@ -12666,12 +13919,22 @@
             <a:r>
               <a:rPr lang="en-US" dirty="0">
                 <a:solidFill>
+                  <a:schemeClr val="bg1"/>
+                </a:solidFill>
+                <a:latin typeface="SolaimanLipi" panose="02000500020000020004" pitchFamily="2" charset="0"/>
+                <a:cs typeface="SolaimanLipi" panose="02000500020000020004" pitchFamily="2" charset="0"/>
+              </a:rPr>
+              <a:t> </a:t>
+            </a:r>
+            <a:r>
+              <a:rPr lang="en-US" dirty="0">
+                <a:solidFill>
                   <a:srgbClr val="FFB119"/>
                 </a:solidFill>
                 <a:latin typeface="Montserrat Black" pitchFamily="2" charset="0"/>
                 <a:cs typeface="SolaimanLipi" panose="02000500020000020004" pitchFamily="2" charset="0"/>
               </a:rPr>
-              <a:t>++a </a:t>
+              <a:t>a &gt; b &amp;&amp; c &gt; d </a:t>
             </a:r>
             <a:r>
               <a:rPr lang="en-US" dirty="0">
@@ -12691,7 +13954,7 @@
                 <a:latin typeface="Montserrat Black" pitchFamily="2" charset="0"/>
                 <a:cs typeface="SolaimanLipi" panose="02000500020000020004" pitchFamily="2" charset="0"/>
               </a:rPr>
-              <a:t> a++;</a:t>
+              <a:t> 2 &gt; 1 &amp;&amp; 4 &gt; 3</a:t>
             </a:r>
             <a:endParaRPr lang="en-US" dirty="0">
               <a:solidFill>
@@ -12718,7 +13981,7 @@
         <p:spPr>
           <a:xfrm>
             <a:off x="2962885" y="2694527"/>
-            <a:ext cx="5941050" cy="369332"/>
+            <a:ext cx="8254183" cy="369332"/>
           </a:xfrm>
           <a:prstGeom prst="rect">
             <a:avLst/>
@@ -12820,12 +14083,22 @@
             <a:r>
               <a:rPr lang="en-US" dirty="0">
                 <a:solidFill>
+                  <a:schemeClr val="bg1"/>
+                </a:solidFill>
+                <a:latin typeface="SolaimanLipi" panose="02000500020000020004" pitchFamily="2" charset="0"/>
+                <a:cs typeface="SolaimanLipi" panose="02000500020000020004" pitchFamily="2" charset="0"/>
+              </a:rPr>
+              <a:t> </a:t>
+            </a:r>
+            <a:r>
+              <a:rPr lang="en-US" dirty="0">
+                <a:solidFill>
                   <a:srgbClr val="FFB119"/>
                 </a:solidFill>
                 <a:latin typeface="Montserrat Black" pitchFamily="2" charset="0"/>
                 <a:cs typeface="SolaimanLipi" panose="02000500020000020004" pitchFamily="2" charset="0"/>
               </a:rPr>
-              <a:t>--a;  </a:t>
+              <a:t>a &gt; b || c &gt; d;  </a:t>
             </a:r>
             <a:r>
               <a:rPr lang="en-US" dirty="0">
@@ -12845,7 +14118,7 @@
                 <a:latin typeface="Montserrat Black" pitchFamily="2" charset="0"/>
                 <a:cs typeface="SolaimanLipi" panose="02000500020000020004" pitchFamily="2" charset="0"/>
               </a:rPr>
-              <a:t> a--</a:t>
+              <a:t> 1 &gt; 2 || 4 &gt; 3</a:t>
             </a:r>
             <a:endParaRPr lang="en-US" dirty="0">
               <a:solidFill>
@@ -12872,7 +14145,7 @@
         <p:spPr>
           <a:xfrm>
             <a:off x="2962885" y="3390138"/>
-            <a:ext cx="6392134" cy="369332"/>
+            <a:ext cx="8974573" cy="369332"/>
           </a:xfrm>
           <a:prstGeom prst="rect">
             <a:avLst/>
@@ -12969,7 +14242,27 @@
                 <a:latin typeface="SolaimanLipi" panose="02000500020000020004" pitchFamily="2" charset="0"/>
                 <a:cs typeface="SolaimanLipi" panose="02000500020000020004" pitchFamily="2" charset="0"/>
               </a:rPr>
-              <a:t>এটি সত্যকে মিথ্যা এবং মিথ্যাকে সত্য করে । । </a:t>
+              <a:t>এটি সত্যকে মিথ্যা এবং মিথ্যাকে সত্য করে । </a:t>
+            </a:r>
+            <a:r>
+              <a:rPr lang="en-US" dirty="0">
+                <a:solidFill>
+                  <a:schemeClr val="bg1"/>
+                </a:solidFill>
+                <a:latin typeface="SolaimanLipi" panose="02000500020000020004" pitchFamily="2" charset="0"/>
+                <a:cs typeface="SolaimanLipi" panose="02000500020000020004" pitchFamily="2" charset="0"/>
+              </a:rPr>
+              <a:t>  </a:t>
+            </a:r>
+            <a:r>
+              <a:rPr lang="as-IN" dirty="0">
+                <a:solidFill>
+                  <a:schemeClr val="bg1"/>
+                </a:solidFill>
+                <a:latin typeface="SolaimanLipi" panose="02000500020000020004" pitchFamily="2" charset="0"/>
+                <a:cs typeface="SolaimanLipi" panose="02000500020000020004" pitchFamily="2" charset="0"/>
+              </a:rPr>
+              <a:t>।</a:t>
             </a:r>
             <a:r>
               <a:rPr lang="en-US" dirty="0">
@@ -12979,27 +14272,57 @@
                 <a:latin typeface="Montserrat Black" pitchFamily="2" charset="0"/>
                 <a:cs typeface="SolaimanLipi" panose="02000500020000020004" pitchFamily="2" charset="0"/>
               </a:rPr>
+              <a:t>a = true </a:t>
+            </a:r>
+            <a:r>
+              <a:rPr lang="en-US" dirty="0">
+                <a:solidFill>
+                  <a:schemeClr val="bg1"/>
+                </a:solidFill>
+                <a:latin typeface="Montserrat Black" pitchFamily="2" charset="0"/>
+                <a:cs typeface="SolaimanLipi" panose="02000500020000020004" pitchFamily="2" charset="0"/>
+              </a:rPr>
+              <a:t>then</a:t>
+            </a:r>
+            <a:r>
+              <a:rPr lang="en-US" dirty="0">
+                <a:solidFill>
+                  <a:srgbClr val="FFB119"/>
+                </a:solidFill>
+                <a:latin typeface="Montserrat Black" pitchFamily="2" charset="0"/>
+                <a:cs typeface="SolaimanLipi" panose="02000500020000020004" pitchFamily="2" charset="0"/>
+              </a:rPr>
+              <a:t> !a </a:t>
+            </a:r>
+            <a:r>
+              <a:rPr lang="en-US" dirty="0">
+                <a:solidFill>
+                  <a:schemeClr val="bg1"/>
+                </a:solidFill>
+                <a:latin typeface="Montserrat Black" pitchFamily="2" charset="0"/>
+                <a:cs typeface="SolaimanLipi" panose="02000500020000020004" pitchFamily="2" charset="0"/>
+              </a:rPr>
+              <a:t>result is </a:t>
+            </a:r>
+            <a:r>
+              <a:rPr lang="en-US" dirty="0">
+                <a:solidFill>
+                  <a:srgbClr val="FFB119"/>
+                </a:solidFill>
+                <a:latin typeface="Montserrat Black" pitchFamily="2" charset="0"/>
+                <a:cs typeface="SolaimanLipi" panose="02000500020000020004" pitchFamily="2" charset="0"/>
+              </a:rPr>
+              <a:t>false</a:t>
+            </a:r>
+            <a:r>
+              <a:rPr lang="en-US" dirty="0">
+                <a:solidFill>
+                  <a:schemeClr val="bg1"/>
+                </a:solidFill>
+                <a:latin typeface="Montserrat Black" pitchFamily="2" charset="0"/>
+                <a:cs typeface="SolaimanLipi" panose="02000500020000020004" pitchFamily="2" charset="0"/>
+              </a:rPr>
               <a:t> </a:t>
-            </a:r>
-            <a:r>
-              <a:rPr lang="en-US" dirty="0" err="1">
-                <a:solidFill>
-                  <a:srgbClr val="FFB119"/>
-                </a:solidFill>
-                <a:latin typeface="Montserrat Black" pitchFamily="2" charset="0"/>
-                <a:cs typeface="SolaimanLipi" panose="02000500020000020004" pitchFamily="2" charset="0"/>
-              </a:rPr>
-              <a:t>typeof</a:t>
-            </a:r>
-            <a:r>
-              <a:rPr lang="en-US" dirty="0">
-                <a:solidFill>
-                  <a:srgbClr val="FFB119"/>
-                </a:solidFill>
-                <a:latin typeface="Montserrat Black" pitchFamily="2" charset="0"/>
-                <a:cs typeface="SolaimanLipi" panose="02000500020000020004" pitchFamily="2" charset="0"/>
-              </a:rPr>
-              <a:t> a </a:t>
             </a:r>
             <a:endParaRPr lang="en-US" dirty="0">
               <a:solidFill>
@@ -13008,6 +14331,53 @@
               <a:latin typeface="SolaimanLipi" panose="02000500020000020004" pitchFamily="2" charset="0"/>
               <a:cs typeface="SolaimanLipi" panose="02000500020000020004" pitchFamily="2" charset="0"/>
             </a:endParaRPr>
+          </a:p>
+        </p:txBody>
+      </p:sp>
+      <p:sp>
+        <p:nvSpPr>
+          <p:cNvPr id="17" name="Rectangle 16">
+            <a:extLst>
+              <a:ext uri="{FF2B5EF4-FFF2-40B4-BE49-F238E27FC236}">
+                <a16:creationId xmlns:a16="http://schemas.microsoft.com/office/drawing/2014/main" id="{94863E6F-4477-4F51-BA2F-6B7A685E5EA8}"/>
+              </a:ext>
+            </a:extLst>
+          </p:cNvPr>
+          <p:cNvSpPr/>
+          <p:nvPr/>
+        </p:nvSpPr>
+        <p:spPr>
+          <a:xfrm>
+            <a:off x="100325" y="4455261"/>
+            <a:ext cx="2402710" cy="338554"/>
+          </a:xfrm>
+          <a:prstGeom prst="rect">
+            <a:avLst/>
+          </a:prstGeom>
+          <a:noFill/>
+        </p:spPr>
+        <p:style>
+          <a:lnRef idx="2">
+            <a:schemeClr val="accent1">
+              <a:shade val="50000"/>
+            </a:schemeClr>
+          </a:lnRef>
+          <a:fillRef idx="1">
+            <a:schemeClr val="accent1"/>
+          </a:fillRef>
+          <a:effectRef idx="0">
+            <a:schemeClr val="accent1"/>
+          </a:effectRef>
+          <a:fontRef idx="minor">
+            <a:schemeClr val="lt1"/>
+          </a:fontRef>
+        </p:style>
+        <p:txBody>
+          <a:bodyPr rtlCol="0" anchor="ctr"/>
+          <a:lstStyle/>
+          <a:p>
+            <a:pPr algn="ctr"/>
+            <a:endParaRPr lang="en-US"/>
           </a:p>
         </p:txBody>
       </p:sp>
@@ -13298,14 +14668,6 @@
 <file path=ppt/slides/slide8.xml><?xml version="1.0" encoding="utf-8"?>
 <p:sld xmlns:a="http://schemas.openxmlformats.org/drawingml/2006/main" xmlns:r="http://schemas.openxmlformats.org/officeDocument/2006/relationships" xmlns:p="http://schemas.openxmlformats.org/presentationml/2006/main">
   <p:cSld>
-    <p:bg>
-      <p:bgPr>
-        <a:solidFill>
-          <a:srgbClr val="1A1B24"/>
-        </a:solidFill>
-        <a:effectLst/>
-      </p:bgPr>
-    </p:bg>
     <p:spTree>
       <p:nvGrpSpPr>
         <p:cNvPr id="1" name=""/>
@@ -14248,10 +15610,237 @@
       </p:sp>
       <p:sp>
         <p:nvSpPr>
-          <p:cNvPr id="15" name="TextBox 14">
+          <p:cNvPr id="17" name="Rectangle 16">
             <a:extLst>
               <a:ext uri="{FF2B5EF4-FFF2-40B4-BE49-F238E27FC236}">
-                <a16:creationId xmlns:a16="http://schemas.microsoft.com/office/drawing/2014/main" id="{C464F30C-9C66-4AB4-9411-40024014197A}"/>
+                <a16:creationId xmlns:a16="http://schemas.microsoft.com/office/drawing/2014/main" id="{B400252E-FAF1-441A-97AC-EA072463125E}"/>
+              </a:ext>
+            </a:extLst>
+          </p:cNvPr>
+          <p:cNvSpPr/>
+          <p:nvPr/>
+        </p:nvSpPr>
+        <p:spPr>
+          <a:xfrm>
+            <a:off x="100325" y="5055336"/>
+            <a:ext cx="2402710" cy="338554"/>
+          </a:xfrm>
+          <a:prstGeom prst="rect">
+            <a:avLst/>
+          </a:prstGeom>
+          <a:noFill/>
+        </p:spPr>
+        <p:style>
+          <a:lnRef idx="2">
+            <a:schemeClr val="accent1">
+              <a:shade val="50000"/>
+            </a:schemeClr>
+          </a:lnRef>
+          <a:fillRef idx="1">
+            <a:schemeClr val="accent1"/>
+          </a:fillRef>
+          <a:effectRef idx="0">
+            <a:schemeClr val="accent1"/>
+          </a:effectRef>
+          <a:fontRef idx="minor">
+            <a:schemeClr val="lt1"/>
+          </a:fontRef>
+        </p:style>
+        <p:txBody>
+          <a:bodyPr rtlCol="0" anchor="ctr"/>
+          <a:lstStyle/>
+          <a:p>
+            <a:pPr algn="ctr"/>
+            <a:endParaRPr lang="en-US"/>
+          </a:p>
+        </p:txBody>
+      </p:sp>
+      <p:pic>
+        <p:nvPicPr>
+          <p:cNvPr id="3" name="Picture 2">
+            <a:extLst>
+              <a:ext uri="{FF2B5EF4-FFF2-40B4-BE49-F238E27FC236}">
+                <a16:creationId xmlns:a16="http://schemas.microsoft.com/office/drawing/2014/main" id="{A2D1D39E-DC45-4CE5-A3ED-18516076F045}"/>
+              </a:ext>
+            </a:extLst>
+          </p:cNvPr>
+          <p:cNvPicPr>
+            <a:picLocks noChangeAspect="1"/>
+          </p:cNvPicPr>
+          <p:nvPr/>
+        </p:nvPicPr>
+        <p:blipFill>
+          <a:blip r:embed="rId2"/>
+          <a:stretch>
+            <a:fillRect/>
+          </a:stretch>
+        </p:blipFill>
+        <p:spPr>
+          <a:xfrm>
+            <a:off x="3123919" y="3580924"/>
+            <a:ext cx="3057525" cy="819150"/>
+          </a:xfrm>
+          <a:prstGeom prst="rect">
+            <a:avLst/>
+          </a:prstGeom>
+        </p:spPr>
+      </p:pic>
+      <p:pic>
+        <p:nvPicPr>
+          <p:cNvPr id="7" name="Picture 6">
+            <a:extLst>
+              <a:ext uri="{FF2B5EF4-FFF2-40B4-BE49-F238E27FC236}">
+                <a16:creationId xmlns:a16="http://schemas.microsoft.com/office/drawing/2014/main" id="{23ECED1D-0B2C-4B2E-9660-84860CB54881}"/>
+              </a:ext>
+            </a:extLst>
+          </p:cNvPr>
+          <p:cNvPicPr>
+            <a:picLocks noChangeAspect="1"/>
+          </p:cNvPicPr>
+          <p:nvPr/>
+        </p:nvPicPr>
+        <p:blipFill>
+          <a:blip r:embed="rId3"/>
+          <a:stretch>
+            <a:fillRect/>
+          </a:stretch>
+        </p:blipFill>
+        <p:spPr>
+          <a:xfrm>
+            <a:off x="3095344" y="4450128"/>
+            <a:ext cx="2981325" cy="285750"/>
+          </a:xfrm>
+          <a:prstGeom prst="rect">
+            <a:avLst/>
+          </a:prstGeom>
+        </p:spPr>
+      </p:pic>
+      <p:pic>
+        <p:nvPicPr>
+          <p:cNvPr id="19" name="Picture 18">
+            <a:extLst>
+              <a:ext uri="{FF2B5EF4-FFF2-40B4-BE49-F238E27FC236}">
+                <a16:creationId xmlns:a16="http://schemas.microsoft.com/office/drawing/2014/main" id="{ABB856AF-A49F-4087-A089-800A4E3B3A03}"/>
+              </a:ext>
+            </a:extLst>
+          </p:cNvPr>
+          <p:cNvPicPr>
+            <a:picLocks noChangeAspect="1"/>
+          </p:cNvPicPr>
+          <p:nvPr/>
+        </p:nvPicPr>
+        <p:blipFill>
+          <a:blip r:embed="rId4"/>
+          <a:stretch>
+            <a:fillRect/>
+          </a:stretch>
+        </p:blipFill>
+        <p:spPr>
+          <a:xfrm>
+            <a:off x="3123919" y="4764453"/>
+            <a:ext cx="2743200" cy="247650"/>
+          </a:xfrm>
+          <a:prstGeom prst="rect">
+            <a:avLst/>
+          </a:prstGeom>
+        </p:spPr>
+      </p:pic>
+      <p:pic>
+        <p:nvPicPr>
+          <p:cNvPr id="21" name="Picture 20">
+            <a:extLst>
+              <a:ext uri="{FF2B5EF4-FFF2-40B4-BE49-F238E27FC236}">
+                <a16:creationId xmlns:a16="http://schemas.microsoft.com/office/drawing/2014/main" id="{842170B0-0483-4633-B4FB-0094C64F11AE}"/>
+              </a:ext>
+            </a:extLst>
+          </p:cNvPr>
+          <p:cNvPicPr>
+            <a:picLocks noChangeAspect="1"/>
+          </p:cNvPicPr>
+          <p:nvPr/>
+        </p:nvPicPr>
+        <p:blipFill>
+          <a:blip r:embed="rId5"/>
+          <a:stretch>
+            <a:fillRect/>
+          </a:stretch>
+        </p:blipFill>
+        <p:spPr>
+          <a:xfrm>
+            <a:off x="7569507" y="3552349"/>
+            <a:ext cx="3133725" cy="828675"/>
+          </a:xfrm>
+          <a:prstGeom prst="rect">
+            <a:avLst/>
+          </a:prstGeom>
+        </p:spPr>
+      </p:pic>
+      <p:pic>
+        <p:nvPicPr>
+          <p:cNvPr id="23" name="Picture 22">
+            <a:extLst>
+              <a:ext uri="{FF2B5EF4-FFF2-40B4-BE49-F238E27FC236}">
+                <a16:creationId xmlns:a16="http://schemas.microsoft.com/office/drawing/2014/main" id="{105A6D4A-A235-4054-9750-B092FE9EC0AB}"/>
+              </a:ext>
+            </a:extLst>
+          </p:cNvPr>
+          <p:cNvPicPr>
+            <a:picLocks noChangeAspect="1"/>
+          </p:cNvPicPr>
+          <p:nvPr/>
+        </p:nvPicPr>
+        <p:blipFill>
+          <a:blip r:embed="rId6"/>
+          <a:stretch>
+            <a:fillRect/>
+          </a:stretch>
+        </p:blipFill>
+        <p:spPr>
+          <a:xfrm>
+            <a:off x="7529915" y="4361212"/>
+            <a:ext cx="3057525" cy="276225"/>
+          </a:xfrm>
+          <a:prstGeom prst="rect">
+            <a:avLst/>
+          </a:prstGeom>
+        </p:spPr>
+      </p:pic>
+      <p:pic>
+        <p:nvPicPr>
+          <p:cNvPr id="25" name="Picture 24">
+            <a:extLst>
+              <a:ext uri="{FF2B5EF4-FFF2-40B4-BE49-F238E27FC236}">
+                <a16:creationId xmlns:a16="http://schemas.microsoft.com/office/drawing/2014/main" id="{A90A60E7-8453-4DC6-B02A-2790A71D2E75}"/>
+              </a:ext>
+            </a:extLst>
+          </p:cNvPr>
+          <p:cNvPicPr>
+            <a:picLocks noChangeAspect="1"/>
+          </p:cNvPicPr>
+          <p:nvPr/>
+        </p:nvPicPr>
+        <p:blipFill>
+          <a:blip r:embed="rId7"/>
+          <a:stretch>
+            <a:fillRect/>
+          </a:stretch>
+        </p:blipFill>
+        <p:spPr>
+          <a:xfrm>
+            <a:off x="7615639" y="4718325"/>
+            <a:ext cx="2886075" cy="257175"/>
+          </a:xfrm>
+          <a:prstGeom prst="rect">
+            <a:avLst/>
+          </a:prstGeom>
+        </p:spPr>
+      </p:pic>
+      <p:sp>
+        <p:nvSpPr>
+          <p:cNvPr id="26" name="TextBox 25">
+            <a:extLst>
+              <a:ext uri="{FF2B5EF4-FFF2-40B4-BE49-F238E27FC236}">
+                <a16:creationId xmlns:a16="http://schemas.microsoft.com/office/drawing/2014/main" id="{E8F96902-F728-40AF-B44E-E5D393D1100B}"/>
               </a:ext>
             </a:extLst>
           </p:cNvPr>
@@ -14260,8 +15849,8 @@
         </p:nvSpPr>
         <p:spPr>
           <a:xfrm>
-            <a:off x="2962885" y="3390138"/>
-            <a:ext cx="7092006" cy="369332"/>
+            <a:off x="2908723" y="5767293"/>
+            <a:ext cx="8546281" cy="646331"/>
           </a:xfrm>
           <a:prstGeom prst="rect">
             <a:avLst/>
@@ -14269,11 +15858,12 @@
           <a:noFill/>
         </p:spPr>
         <p:txBody>
-          <a:bodyPr wrap="none" rtlCol="0">
+          <a:bodyPr wrap="square" rtlCol="0">
             <a:spAutoFit/>
           </a:bodyPr>
           <a:lstStyle/>
           <a:p>
+            <a:pPr algn="ctr"/>
             <a:r>
               <a:rPr lang="en-US" dirty="0">
                 <a:solidFill>
@@ -14288,7 +15878,7 @@
               <a:t> </a:t>
             </a:r>
             <a:r>
-              <a:rPr lang="en-US" dirty="0" err="1">
+              <a:rPr lang="en-US" dirty="0">
                 <a:solidFill>
                   <a:schemeClr val="bg1"/>
                 </a:solidFill>
@@ -14305,7 +15895,7 @@
                 <a:latin typeface="Montserrat Black" pitchFamily="2" charset="0"/>
                 <a:cs typeface="SolaimanLipi" panose="02000500020000020004" pitchFamily="2" charset="0"/>
               </a:rPr>
-              <a:t>typeof</a:t>
+              <a:t>operand</a:t>
             </a:r>
             <a:r>
               <a:rPr lang="en-US" dirty="0">
@@ -14328,7 +15918,67 @@
                 <a:latin typeface="SolaimanLipi" panose="02000500020000020004" pitchFamily="2" charset="0"/>
                 <a:cs typeface="SolaimanLipi" panose="02000500020000020004" pitchFamily="2" charset="0"/>
               </a:rPr>
-              <a:t>  </a:t>
+              <a:t> </a:t>
+            </a:r>
+            <a:r>
+              <a:rPr lang="en-US" dirty="0" err="1">
+                <a:solidFill>
+                  <a:schemeClr val="bg1"/>
+                </a:solidFill>
+                <a:latin typeface="SolaimanLipi" panose="02000500020000020004" pitchFamily="2" charset="0"/>
+                <a:cs typeface="SolaimanLipi" panose="02000500020000020004" pitchFamily="2" charset="0"/>
+              </a:rPr>
+              <a:t>এর</a:t>
+            </a:r>
+            <a:r>
+              <a:rPr lang="en-US" dirty="0">
+                <a:solidFill>
+                  <a:schemeClr val="bg1"/>
+                </a:solidFill>
+                <a:latin typeface="SolaimanLipi" panose="02000500020000020004" pitchFamily="2" charset="0"/>
+                <a:cs typeface="SolaimanLipi" panose="02000500020000020004" pitchFamily="2" charset="0"/>
+              </a:rPr>
+              <a:t> </a:t>
+            </a:r>
+            <a:r>
+              <a:rPr lang="en-US" dirty="0" err="1">
+                <a:solidFill>
+                  <a:schemeClr val="bg1"/>
+                </a:solidFill>
+                <a:latin typeface="SolaimanLipi" panose="02000500020000020004" pitchFamily="2" charset="0"/>
+                <a:cs typeface="SolaimanLipi" panose="02000500020000020004" pitchFamily="2" charset="0"/>
+              </a:rPr>
+              <a:t>আগে</a:t>
+            </a:r>
+            <a:r>
+              <a:rPr lang="en-US" dirty="0">
+                <a:solidFill>
+                  <a:schemeClr val="bg1"/>
+                </a:solidFill>
+                <a:latin typeface="SolaimanLipi" panose="02000500020000020004" pitchFamily="2" charset="0"/>
+                <a:cs typeface="SolaimanLipi" panose="02000500020000020004" pitchFamily="2" charset="0"/>
+              </a:rPr>
+              <a:t> </a:t>
+            </a:r>
+            <a:r>
+              <a:rPr lang="en-US" dirty="0" err="1">
+                <a:solidFill>
+                  <a:schemeClr val="bg1"/>
+                </a:solidFill>
+                <a:latin typeface="SolaimanLipi" panose="02000500020000020004" pitchFamily="2" charset="0"/>
+                <a:cs typeface="SolaimanLipi" panose="02000500020000020004" pitchFamily="2" charset="0"/>
+              </a:rPr>
+              <a:t>যদি</a:t>
+            </a:r>
+            <a:r>
+              <a:rPr lang="en-US" dirty="0">
+                <a:solidFill>
+                  <a:schemeClr val="bg1"/>
+                </a:solidFill>
+                <a:latin typeface="SolaimanLipi" panose="02000500020000020004" pitchFamily="2" charset="0"/>
+                <a:cs typeface="SolaimanLipi" panose="02000500020000020004" pitchFamily="2" charset="0"/>
+              </a:rPr>
+              <a:t> </a:t>
             </a:r>
             <a:r>
               <a:rPr lang="en-US" dirty="0">
@@ -14338,32 +15988,132 @@
                 <a:latin typeface="Times New Roman" panose="02020603050405020304" pitchFamily="18" charset="0"/>
                 <a:cs typeface="Times New Roman" panose="02020603050405020304" pitchFamily="18" charset="0"/>
               </a:rPr>
-              <a:t>(</a:t>
-            </a:r>
-            <a:r>
-              <a:rPr lang="en-US" dirty="0" err="1">
+              <a:t>increment</a:t>
+            </a:r>
+            <a:r>
+              <a:rPr lang="en-US" dirty="0">
+                <a:solidFill>
+                  <a:schemeClr val="bg1"/>
+                </a:solidFill>
+                <a:latin typeface="SolaimanLipi" panose="02000500020000020004" pitchFamily="2" charset="0"/>
+                <a:cs typeface="SolaimanLipi" panose="02000500020000020004" pitchFamily="2" charset="0"/>
+              </a:rPr>
+              <a:t> </a:t>
+            </a:r>
+            <a:r>
+              <a:rPr lang="en-US" dirty="0">
                 <a:solidFill>
                   <a:schemeClr val="bg1"/>
                 </a:solidFill>
                 <a:latin typeface="Times New Roman" panose="02020603050405020304" pitchFamily="18" charset="0"/>
                 <a:cs typeface="Times New Roman" panose="02020603050405020304" pitchFamily="18" charset="0"/>
               </a:rPr>
-              <a:t>typeof</a:t>
-            </a:r>
-            <a:r>
-              <a:rPr lang="en-US" dirty="0">
-                <a:solidFill>
-                  <a:schemeClr val="bg1"/>
+              <a:t>operator</a:t>
+            </a:r>
+            <a:r>
+              <a:rPr lang="en-US" dirty="0">
+                <a:solidFill>
+                  <a:schemeClr val="bg1"/>
+                </a:solidFill>
+                <a:latin typeface="SolaimanLipi" panose="02000500020000020004" pitchFamily="2" charset="0"/>
+                <a:cs typeface="SolaimanLipi" panose="02000500020000020004" pitchFamily="2" charset="0"/>
+              </a:rPr>
+              <a:t>  </a:t>
+            </a:r>
+            <a:r>
+              <a:rPr lang="en-US" dirty="0" err="1">
+                <a:solidFill>
+                  <a:schemeClr val="bg1"/>
+                </a:solidFill>
+                <a:latin typeface="SolaimanLipi" panose="02000500020000020004" pitchFamily="2" charset="0"/>
+                <a:cs typeface="SolaimanLipi" panose="02000500020000020004" pitchFamily="2" charset="0"/>
+              </a:rPr>
+              <a:t>থাকে</a:t>
+            </a:r>
+            <a:r>
+              <a:rPr lang="en-US" dirty="0">
+                <a:solidFill>
+                  <a:schemeClr val="bg1"/>
+                </a:solidFill>
+                <a:latin typeface="SolaimanLipi" panose="02000500020000020004" pitchFamily="2" charset="0"/>
+                <a:cs typeface="SolaimanLipi" panose="02000500020000020004" pitchFamily="2" charset="0"/>
+              </a:rPr>
+              <a:t> </a:t>
+            </a:r>
+            <a:r>
+              <a:rPr lang="en-US" dirty="0" err="1">
+                <a:solidFill>
+                  <a:schemeClr val="bg1"/>
+                </a:solidFill>
+                <a:latin typeface="SolaimanLipi" panose="02000500020000020004" pitchFamily="2" charset="0"/>
+                <a:cs typeface="SolaimanLipi" panose="02000500020000020004" pitchFamily="2" charset="0"/>
+              </a:rPr>
+              <a:t>তাহেলে</a:t>
+            </a:r>
+            <a:r>
+              <a:rPr lang="en-US" dirty="0">
+                <a:solidFill>
+                  <a:schemeClr val="bg1"/>
+                </a:solidFill>
+                <a:latin typeface="SolaimanLipi" panose="02000500020000020004" pitchFamily="2" charset="0"/>
+                <a:cs typeface="SolaimanLipi" panose="02000500020000020004" pitchFamily="2" charset="0"/>
+              </a:rPr>
+              <a:t> </a:t>
+            </a:r>
+            <a:r>
+              <a:rPr lang="en-US" dirty="0" err="1">
+                <a:solidFill>
+                  <a:schemeClr val="bg1"/>
+                </a:solidFill>
+                <a:latin typeface="SolaimanLipi" panose="02000500020000020004" pitchFamily="2" charset="0"/>
+                <a:cs typeface="SolaimanLipi" panose="02000500020000020004" pitchFamily="2" charset="0"/>
+              </a:rPr>
+              <a:t>তাহলে</a:t>
+            </a:r>
+            <a:r>
+              <a:rPr lang="en-US" dirty="0">
+                <a:solidFill>
+                  <a:schemeClr val="bg1"/>
+                </a:solidFill>
+                <a:latin typeface="SolaimanLipi" panose="02000500020000020004" pitchFamily="2" charset="0"/>
+                <a:cs typeface="SolaimanLipi" panose="02000500020000020004" pitchFamily="2" charset="0"/>
+              </a:rPr>
+              <a:t> </a:t>
+            </a:r>
+            <a:r>
+              <a:rPr lang="en-US" dirty="0" err="1">
+                <a:solidFill>
+                  <a:schemeClr val="bg1"/>
+                </a:solidFill>
+                <a:latin typeface="SolaimanLipi" panose="02000500020000020004" pitchFamily="2" charset="0"/>
+                <a:cs typeface="SolaimanLipi" panose="02000500020000020004" pitchFamily="2" charset="0"/>
+              </a:rPr>
+              <a:t>তাকে</a:t>
+            </a:r>
+            <a:r>
+              <a:rPr lang="en-US" dirty="0">
+                <a:solidFill>
+                  <a:schemeClr val="bg1"/>
+                </a:solidFill>
+                <a:latin typeface="SolaimanLipi" panose="02000500020000020004" pitchFamily="2" charset="0"/>
+                <a:cs typeface="SolaimanLipi" panose="02000500020000020004" pitchFamily="2" charset="0"/>
+              </a:rPr>
+              <a:t> </a:t>
+            </a:r>
+            <a:r>
+              <a:rPr lang="en-US" dirty="0">
+                <a:solidFill>
+                  <a:srgbClr val="FFB119"/>
                 </a:solidFill>
                 <a:latin typeface="Times New Roman" panose="02020603050405020304" pitchFamily="18" charset="0"/>
                 <a:cs typeface="Times New Roman" panose="02020603050405020304" pitchFamily="18" charset="0"/>
               </a:rPr>
-              <a:t> operator)</a:t>
-            </a:r>
-            <a:r>
-              <a:rPr lang="en-US" dirty="0">
-                <a:solidFill>
-                  <a:schemeClr val="bg1"/>
+              <a:t>pre increment</a:t>
+            </a:r>
+            <a:r>
+              <a:rPr lang="en-US" dirty="0">
+                <a:solidFill>
+                  <a:srgbClr val="FFB119"/>
                 </a:solidFill>
                 <a:latin typeface="SolaimanLipi" panose="02000500020000020004" pitchFamily="2" charset="0"/>
                 <a:cs typeface="SolaimanLipi" panose="02000500020000020004" pitchFamily="2" charset="0"/>
@@ -14371,52 +16121,225 @@
               <a:t> </a:t>
             </a:r>
             <a:r>
-              <a:rPr lang="as-IN" dirty="0">
-                <a:solidFill>
-                  <a:schemeClr val="bg1"/>
-                </a:solidFill>
-                <a:latin typeface="SolaimanLipi" panose="02000500020000020004" pitchFamily="2" charset="0"/>
-                <a:cs typeface="SolaimanLipi" panose="02000500020000020004" pitchFamily="2" charset="0"/>
-              </a:rPr>
-              <a:t>ডাটা টাইপ দেখার জন্য ব্যবহার করা হয় । </a:t>
+              <a:rPr lang="en-US" dirty="0" err="1">
+                <a:solidFill>
+                  <a:schemeClr val="bg1"/>
+                </a:solidFill>
+                <a:latin typeface="SolaimanLipi" panose="02000500020000020004" pitchFamily="2" charset="0"/>
+                <a:cs typeface="SolaimanLipi" panose="02000500020000020004" pitchFamily="2" charset="0"/>
+              </a:rPr>
+              <a:t>অপারেটর</a:t>
+            </a:r>
+            <a:r>
+              <a:rPr lang="en-US" dirty="0">
+                <a:solidFill>
+                  <a:schemeClr val="bg1"/>
+                </a:solidFill>
+                <a:latin typeface="SolaimanLipi" panose="02000500020000020004" pitchFamily="2" charset="0"/>
+                <a:cs typeface="SolaimanLipi" panose="02000500020000020004" pitchFamily="2" charset="0"/>
+              </a:rPr>
+              <a:t> </a:t>
+            </a:r>
+            <a:r>
+              <a:rPr lang="en-US" dirty="0" err="1">
+                <a:solidFill>
+                  <a:schemeClr val="bg1"/>
+                </a:solidFill>
+                <a:latin typeface="SolaimanLipi" panose="02000500020000020004" pitchFamily="2" charset="0"/>
+                <a:cs typeface="SolaimanLipi" panose="02000500020000020004" pitchFamily="2" charset="0"/>
+              </a:rPr>
+              <a:t>বলে</a:t>
+            </a:r>
+            <a:r>
+              <a:rPr lang="en-US" dirty="0">
+                <a:solidFill>
+                  <a:schemeClr val="bg1"/>
+                </a:solidFill>
+                <a:latin typeface="SolaimanLipi" panose="02000500020000020004" pitchFamily="2" charset="0"/>
+                <a:cs typeface="SolaimanLipi" panose="02000500020000020004" pitchFamily="2" charset="0"/>
+              </a:rPr>
+              <a:t>।  </a:t>
+            </a:r>
+            <a:r>
+              <a:rPr lang="en-US" dirty="0" err="1">
+                <a:solidFill>
+                  <a:schemeClr val="bg1"/>
+                </a:solidFill>
+                <a:latin typeface="SolaimanLipi" panose="02000500020000020004" pitchFamily="2" charset="0"/>
+                <a:cs typeface="SolaimanLipi" panose="02000500020000020004" pitchFamily="2" charset="0"/>
+              </a:rPr>
+              <a:t>আর</a:t>
+            </a:r>
+            <a:r>
+              <a:rPr lang="en-US" dirty="0">
+                <a:solidFill>
+                  <a:schemeClr val="bg1"/>
+                </a:solidFill>
+                <a:latin typeface="SolaimanLipi" panose="02000500020000020004" pitchFamily="2" charset="0"/>
+                <a:cs typeface="SolaimanLipi" panose="02000500020000020004" pitchFamily="2" charset="0"/>
+              </a:rPr>
+              <a:t> </a:t>
+            </a:r>
+            <a:r>
+              <a:rPr lang="en-US" dirty="0" err="1">
+                <a:solidFill>
+                  <a:schemeClr val="bg1"/>
+                </a:solidFill>
+                <a:latin typeface="SolaimanLipi" panose="02000500020000020004" pitchFamily="2" charset="0"/>
+                <a:cs typeface="SolaimanLipi" panose="02000500020000020004" pitchFamily="2" charset="0"/>
+              </a:rPr>
+              <a:t>যদি</a:t>
+            </a:r>
+            <a:r>
+              <a:rPr lang="en-US" dirty="0">
+                <a:solidFill>
+                  <a:schemeClr val="bg1"/>
+                </a:solidFill>
+                <a:latin typeface="SolaimanLipi" panose="02000500020000020004" pitchFamily="2" charset="0"/>
+                <a:cs typeface="SolaimanLipi" panose="02000500020000020004" pitchFamily="2" charset="0"/>
+              </a:rPr>
+              <a:t> </a:t>
+            </a:r>
+            <a:r>
+              <a:rPr lang="en-US" dirty="0" err="1">
+                <a:solidFill>
+                  <a:schemeClr val="bg1"/>
+                </a:solidFill>
+                <a:latin typeface="SolaimanLipi" panose="02000500020000020004" pitchFamily="2" charset="0"/>
+                <a:cs typeface="SolaimanLipi" panose="02000500020000020004" pitchFamily="2" charset="0"/>
+              </a:rPr>
+              <a:t>পরে</a:t>
+            </a:r>
+            <a:r>
+              <a:rPr lang="en-US" dirty="0">
+                <a:solidFill>
+                  <a:schemeClr val="bg1"/>
+                </a:solidFill>
+                <a:latin typeface="SolaimanLipi" panose="02000500020000020004" pitchFamily="2" charset="0"/>
+                <a:cs typeface="SolaimanLipi" panose="02000500020000020004" pitchFamily="2" charset="0"/>
+              </a:rPr>
+              <a:t> </a:t>
+            </a:r>
+            <a:r>
+              <a:rPr lang="en-US" dirty="0" err="1">
+                <a:solidFill>
+                  <a:schemeClr val="bg1"/>
+                </a:solidFill>
+                <a:latin typeface="SolaimanLipi" panose="02000500020000020004" pitchFamily="2" charset="0"/>
+                <a:cs typeface="SolaimanLipi" panose="02000500020000020004" pitchFamily="2" charset="0"/>
+              </a:rPr>
+              <a:t>থাকে</a:t>
+            </a:r>
+            <a:r>
+              <a:rPr lang="en-US" dirty="0">
+                <a:solidFill>
+                  <a:schemeClr val="bg1"/>
+                </a:solidFill>
+                <a:latin typeface="SolaimanLipi" panose="02000500020000020004" pitchFamily="2" charset="0"/>
+                <a:cs typeface="SolaimanLipi" panose="02000500020000020004" pitchFamily="2" charset="0"/>
+              </a:rPr>
+              <a:t> </a:t>
+            </a:r>
+            <a:r>
+              <a:rPr lang="en-US" dirty="0" err="1">
+                <a:solidFill>
+                  <a:schemeClr val="bg1"/>
+                </a:solidFill>
+                <a:latin typeface="SolaimanLipi" panose="02000500020000020004" pitchFamily="2" charset="0"/>
+                <a:cs typeface="SolaimanLipi" panose="02000500020000020004" pitchFamily="2" charset="0"/>
+              </a:rPr>
+              <a:t>তাকে</a:t>
+            </a:r>
+            <a:r>
+              <a:rPr lang="en-US" dirty="0">
+                <a:solidFill>
+                  <a:schemeClr val="bg1"/>
+                </a:solidFill>
+                <a:latin typeface="SolaimanLipi" panose="02000500020000020004" pitchFamily="2" charset="0"/>
+                <a:cs typeface="SolaimanLipi" panose="02000500020000020004" pitchFamily="2" charset="0"/>
+              </a:rPr>
+              <a:t> </a:t>
             </a:r>
             <a:r>
               <a:rPr lang="en-US" dirty="0">
                 <a:solidFill>
                   <a:srgbClr val="FFB119"/>
                 </a:solidFill>
-                <a:latin typeface="Montserrat Black" pitchFamily="2" charset="0"/>
+                <a:latin typeface="Times New Roman" panose="02020603050405020304" pitchFamily="18" charset="0"/>
+                <a:cs typeface="Times New Roman" panose="02020603050405020304" pitchFamily="18" charset="0"/>
+              </a:rPr>
+              <a:t>post</a:t>
+            </a:r>
+            <a:r>
+              <a:rPr lang="en-US" dirty="0">
+                <a:solidFill>
+                  <a:srgbClr val="FFB119"/>
+                </a:solidFill>
+                <a:latin typeface="SolaimanLipi" panose="02000500020000020004" pitchFamily="2" charset="0"/>
                 <a:cs typeface="SolaimanLipi" panose="02000500020000020004" pitchFamily="2" charset="0"/>
               </a:rPr>
               <a:t> </a:t>
             </a:r>
             <a:r>
+              <a:rPr lang="en-US" dirty="0">
+                <a:solidFill>
+                  <a:srgbClr val="FFB119"/>
+                </a:solidFill>
+                <a:latin typeface="Times New Roman" panose="02020603050405020304" pitchFamily="18" charset="0"/>
+                <a:cs typeface="Times New Roman" panose="02020603050405020304" pitchFamily="18" charset="0"/>
+              </a:rPr>
+              <a:t>increment</a:t>
+            </a:r>
+            <a:r>
+              <a:rPr lang="en-US" dirty="0">
+                <a:solidFill>
+                  <a:schemeClr val="bg1"/>
+                </a:solidFill>
+                <a:latin typeface="SolaimanLipi" panose="02000500020000020004" pitchFamily="2" charset="0"/>
+                <a:cs typeface="SolaimanLipi" panose="02000500020000020004" pitchFamily="2" charset="0"/>
+              </a:rPr>
+              <a:t> </a:t>
+            </a:r>
+            <a:r>
               <a:rPr lang="en-US" dirty="0" err="1">
                 <a:solidFill>
-                  <a:srgbClr val="FFB119"/>
-                </a:solidFill>
-                <a:latin typeface="Montserrat Black" pitchFamily="2" charset="0"/>
-                <a:cs typeface="SolaimanLipi" panose="02000500020000020004" pitchFamily="2" charset="0"/>
-              </a:rPr>
-              <a:t>typeof</a:t>
-            </a:r>
-            <a:r>
-              <a:rPr lang="en-US" dirty="0">
-                <a:solidFill>
-                  <a:srgbClr val="FFB119"/>
-                </a:solidFill>
-                <a:latin typeface="Montserrat Black" pitchFamily="2" charset="0"/>
-                <a:cs typeface="SolaimanLipi" panose="02000500020000020004" pitchFamily="2" charset="0"/>
-              </a:rPr>
-              <a:t> a </a:t>
-            </a:r>
-            <a:endParaRPr lang="en-US" dirty="0">
-              <a:solidFill>
-                <a:schemeClr val="bg1"/>
-              </a:solidFill>
-              <a:latin typeface="SolaimanLipi" panose="02000500020000020004" pitchFamily="2" charset="0"/>
-              <a:cs typeface="SolaimanLipi" panose="02000500020000020004" pitchFamily="2" charset="0"/>
-            </a:endParaRPr>
+                  <a:schemeClr val="bg1"/>
+                </a:solidFill>
+                <a:latin typeface="SolaimanLipi" panose="02000500020000020004" pitchFamily="2" charset="0"/>
+                <a:cs typeface="SolaimanLipi" panose="02000500020000020004" pitchFamily="2" charset="0"/>
+              </a:rPr>
+              <a:t>অপারেটর</a:t>
+            </a:r>
+            <a:r>
+              <a:rPr lang="en-US" dirty="0">
+                <a:solidFill>
+                  <a:schemeClr val="bg1"/>
+                </a:solidFill>
+                <a:latin typeface="SolaimanLipi" panose="02000500020000020004" pitchFamily="2" charset="0"/>
+                <a:cs typeface="SolaimanLipi" panose="02000500020000020004" pitchFamily="2" charset="0"/>
+              </a:rPr>
+              <a:t> </a:t>
+            </a:r>
+            <a:r>
+              <a:rPr lang="en-US" dirty="0" err="1">
+                <a:solidFill>
+                  <a:schemeClr val="bg1"/>
+                </a:solidFill>
+                <a:latin typeface="SolaimanLipi" panose="02000500020000020004" pitchFamily="2" charset="0"/>
+                <a:cs typeface="SolaimanLipi" panose="02000500020000020004" pitchFamily="2" charset="0"/>
+              </a:rPr>
+              <a:t>বলে</a:t>
+            </a:r>
+            <a:r>
+              <a:rPr lang="en-US" dirty="0">
+                <a:solidFill>
+                  <a:schemeClr val="bg1"/>
+                </a:solidFill>
+                <a:latin typeface="SolaimanLipi" panose="02000500020000020004" pitchFamily="2" charset="0"/>
+                <a:cs typeface="SolaimanLipi" panose="02000500020000020004" pitchFamily="2" charset="0"/>
+              </a:rPr>
+              <a:t> । </a:t>
+            </a:r>
           </a:p>
         </p:txBody>
       </p:sp>
@@ -14633,7 +16556,7 @@
                             </p:stCondLst>
                             <p:childTnLst>
                               <p:par>
-                                <p:cTn id="21" presetID="10" presetClass="entr" presetSubtype="0" fill="hold" grpId="0" nodeType="clickEffect">
+                                <p:cTn id="21" presetID="10" presetClass="entr" presetSubtype="0" fill="hold" nodeType="clickEffect">
                                   <p:stCondLst>
                                     <p:cond delay="0"/>
                                   </p:stCondLst>
@@ -14646,7 +16569,7 @@
                                           </p:stCondLst>
                                         </p:cTn>
                                         <p:tgtEl>
-                                          <p:spTgt spid="15"/>
+                                          <p:spTgt spid="3"/>
                                         </p:tgtEl>
                                         <p:attrNameLst>
                                           <p:attrName>style.visibility</p:attrName>
@@ -14660,7 +16583,325 @@
                                       <p:cBhvr>
                                         <p:cTn id="23" dur="500"/>
                                         <p:tgtEl>
-                                          <p:spTgt spid="15"/>
+                                          <p:spTgt spid="3"/>
+                                        </p:tgtEl>
+                                      </p:cBhvr>
+                                    </p:animEffect>
+                                  </p:childTnLst>
+                                </p:cTn>
+                              </p:par>
+                            </p:childTnLst>
+                          </p:cTn>
+                        </p:par>
+                      </p:childTnLst>
+                    </p:cTn>
+                  </p:par>
+                  <p:par>
+                    <p:cTn id="24" fill="hold">
+                      <p:stCondLst>
+                        <p:cond delay="indefinite"/>
+                      </p:stCondLst>
+                      <p:childTnLst>
+                        <p:par>
+                          <p:cTn id="25" fill="hold">
+                            <p:stCondLst>
+                              <p:cond delay="0"/>
+                            </p:stCondLst>
+                            <p:childTnLst>
+                              <p:par>
+                                <p:cTn id="26" presetID="10" presetClass="entr" presetSubtype="0" fill="hold" nodeType="clickEffect">
+                                  <p:stCondLst>
+                                    <p:cond delay="0"/>
+                                  </p:stCondLst>
+                                  <p:childTnLst>
+                                    <p:set>
+                                      <p:cBhvr>
+                                        <p:cTn id="27" dur="1" fill="hold">
+                                          <p:stCondLst>
+                                            <p:cond delay="0"/>
+                                          </p:stCondLst>
+                                        </p:cTn>
+                                        <p:tgtEl>
+                                          <p:spTgt spid="7"/>
+                                        </p:tgtEl>
+                                        <p:attrNameLst>
+                                          <p:attrName>style.visibility</p:attrName>
+                                        </p:attrNameLst>
+                                      </p:cBhvr>
+                                      <p:to>
+                                        <p:strVal val="visible"/>
+                                      </p:to>
+                                    </p:set>
+                                    <p:animEffect transition="in" filter="fade">
+                                      <p:cBhvr>
+                                        <p:cTn id="28" dur="500"/>
+                                        <p:tgtEl>
+                                          <p:spTgt spid="7"/>
+                                        </p:tgtEl>
+                                      </p:cBhvr>
+                                    </p:animEffect>
+                                  </p:childTnLst>
+                                </p:cTn>
+                              </p:par>
+                            </p:childTnLst>
+                          </p:cTn>
+                        </p:par>
+                      </p:childTnLst>
+                    </p:cTn>
+                  </p:par>
+                  <p:par>
+                    <p:cTn id="29" fill="hold">
+                      <p:stCondLst>
+                        <p:cond delay="indefinite"/>
+                      </p:stCondLst>
+                      <p:childTnLst>
+                        <p:par>
+                          <p:cTn id="30" fill="hold">
+                            <p:stCondLst>
+                              <p:cond delay="0"/>
+                            </p:stCondLst>
+                            <p:childTnLst>
+                              <p:par>
+                                <p:cTn id="31" presetID="10" presetClass="entr" presetSubtype="0" fill="hold" nodeType="clickEffect">
+                                  <p:stCondLst>
+                                    <p:cond delay="0"/>
+                                  </p:stCondLst>
+                                  <p:childTnLst>
+                                    <p:set>
+                                      <p:cBhvr>
+                                        <p:cTn id="32" dur="1" fill="hold">
+                                          <p:stCondLst>
+                                            <p:cond delay="0"/>
+                                          </p:stCondLst>
+                                        </p:cTn>
+                                        <p:tgtEl>
+                                          <p:spTgt spid="19"/>
+                                        </p:tgtEl>
+                                        <p:attrNameLst>
+                                          <p:attrName>style.visibility</p:attrName>
+                                        </p:attrNameLst>
+                                      </p:cBhvr>
+                                      <p:to>
+                                        <p:strVal val="visible"/>
+                                      </p:to>
+                                    </p:set>
+                                    <p:animEffect transition="in" filter="fade">
+                                      <p:cBhvr>
+                                        <p:cTn id="33" dur="500"/>
+                                        <p:tgtEl>
+                                          <p:spTgt spid="19"/>
+                                        </p:tgtEl>
+                                      </p:cBhvr>
+                                    </p:animEffect>
+                                  </p:childTnLst>
+                                </p:cTn>
+                              </p:par>
+                            </p:childTnLst>
+                          </p:cTn>
+                        </p:par>
+                      </p:childTnLst>
+                    </p:cTn>
+                  </p:par>
+                  <p:par>
+                    <p:cTn id="34" fill="hold">
+                      <p:stCondLst>
+                        <p:cond delay="indefinite"/>
+                      </p:stCondLst>
+                      <p:childTnLst>
+                        <p:par>
+                          <p:cTn id="35" fill="hold">
+                            <p:stCondLst>
+                              <p:cond delay="0"/>
+                            </p:stCondLst>
+                            <p:childTnLst>
+                              <p:par>
+                                <p:cTn id="36" presetID="10" presetClass="entr" presetSubtype="0" fill="hold" nodeType="clickEffect">
+                                  <p:stCondLst>
+                                    <p:cond delay="0"/>
+                                  </p:stCondLst>
+                                  <p:childTnLst>
+                                    <p:set>
+                                      <p:cBhvr>
+                                        <p:cTn id="37" dur="1" fill="hold">
+                                          <p:stCondLst>
+                                            <p:cond delay="0"/>
+                                          </p:stCondLst>
+                                        </p:cTn>
+                                        <p:tgtEl>
+                                          <p:spTgt spid="21"/>
+                                        </p:tgtEl>
+                                        <p:attrNameLst>
+                                          <p:attrName>style.visibility</p:attrName>
+                                        </p:attrNameLst>
+                                      </p:cBhvr>
+                                      <p:to>
+                                        <p:strVal val="visible"/>
+                                      </p:to>
+                                    </p:set>
+                                    <p:animEffect transition="in" filter="fade">
+                                      <p:cBhvr>
+                                        <p:cTn id="38" dur="500"/>
+                                        <p:tgtEl>
+                                          <p:spTgt spid="21"/>
+                                        </p:tgtEl>
+                                      </p:cBhvr>
+                                    </p:animEffect>
+                                  </p:childTnLst>
+                                </p:cTn>
+                              </p:par>
+                            </p:childTnLst>
+                          </p:cTn>
+                        </p:par>
+                      </p:childTnLst>
+                    </p:cTn>
+                  </p:par>
+                  <p:par>
+                    <p:cTn id="39" fill="hold">
+                      <p:stCondLst>
+                        <p:cond delay="indefinite"/>
+                      </p:stCondLst>
+                      <p:childTnLst>
+                        <p:par>
+                          <p:cTn id="40" fill="hold">
+                            <p:stCondLst>
+                              <p:cond delay="0"/>
+                            </p:stCondLst>
+                            <p:childTnLst>
+                              <p:par>
+                                <p:cTn id="41" presetID="10" presetClass="entr" presetSubtype="0" fill="hold" nodeType="clickEffect">
+                                  <p:stCondLst>
+                                    <p:cond delay="0"/>
+                                  </p:stCondLst>
+                                  <p:childTnLst>
+                                    <p:set>
+                                      <p:cBhvr>
+                                        <p:cTn id="42" dur="1" fill="hold">
+                                          <p:stCondLst>
+                                            <p:cond delay="0"/>
+                                          </p:stCondLst>
+                                        </p:cTn>
+                                        <p:tgtEl>
+                                          <p:spTgt spid="23"/>
+                                        </p:tgtEl>
+                                        <p:attrNameLst>
+                                          <p:attrName>style.visibility</p:attrName>
+                                        </p:attrNameLst>
+                                      </p:cBhvr>
+                                      <p:to>
+                                        <p:strVal val="visible"/>
+                                      </p:to>
+                                    </p:set>
+                                    <p:animEffect transition="in" filter="fade">
+                                      <p:cBhvr>
+                                        <p:cTn id="43" dur="500"/>
+                                        <p:tgtEl>
+                                          <p:spTgt spid="23"/>
+                                        </p:tgtEl>
+                                      </p:cBhvr>
+                                    </p:animEffect>
+                                  </p:childTnLst>
+                                </p:cTn>
+                              </p:par>
+                            </p:childTnLst>
+                          </p:cTn>
+                        </p:par>
+                      </p:childTnLst>
+                    </p:cTn>
+                  </p:par>
+                  <p:par>
+                    <p:cTn id="44" fill="hold">
+                      <p:stCondLst>
+                        <p:cond delay="indefinite"/>
+                      </p:stCondLst>
+                      <p:childTnLst>
+                        <p:par>
+                          <p:cTn id="45" fill="hold">
+                            <p:stCondLst>
+                              <p:cond delay="0"/>
+                            </p:stCondLst>
+                            <p:childTnLst>
+                              <p:par>
+                                <p:cTn id="46" presetID="10" presetClass="entr" presetSubtype="0" fill="hold" nodeType="clickEffect">
+                                  <p:stCondLst>
+                                    <p:cond delay="0"/>
+                                  </p:stCondLst>
+                                  <p:childTnLst>
+                                    <p:set>
+                                      <p:cBhvr>
+                                        <p:cTn id="47" dur="1" fill="hold">
+                                          <p:stCondLst>
+                                            <p:cond delay="0"/>
+                                          </p:stCondLst>
+                                        </p:cTn>
+                                        <p:tgtEl>
+                                          <p:spTgt spid="25"/>
+                                        </p:tgtEl>
+                                        <p:attrNameLst>
+                                          <p:attrName>style.visibility</p:attrName>
+                                        </p:attrNameLst>
+                                      </p:cBhvr>
+                                      <p:to>
+                                        <p:strVal val="visible"/>
+                                      </p:to>
+                                    </p:set>
+                                    <p:animEffect transition="in" filter="fade">
+                                      <p:cBhvr>
+                                        <p:cTn id="48" dur="500"/>
+                                        <p:tgtEl>
+                                          <p:spTgt spid="25"/>
+                                        </p:tgtEl>
+                                      </p:cBhvr>
+                                    </p:animEffect>
+                                  </p:childTnLst>
+                                </p:cTn>
+                              </p:par>
+                            </p:childTnLst>
+                          </p:cTn>
+                        </p:par>
+                      </p:childTnLst>
+                    </p:cTn>
+                  </p:par>
+                  <p:par>
+                    <p:cTn id="49" fill="hold">
+                      <p:stCondLst>
+                        <p:cond delay="indefinite"/>
+                      </p:stCondLst>
+                      <p:childTnLst>
+                        <p:par>
+                          <p:cTn id="50" fill="hold">
+                            <p:stCondLst>
+                              <p:cond delay="0"/>
+                            </p:stCondLst>
+                            <p:childTnLst>
+                              <p:par>
+                                <p:cTn id="51" presetID="10" presetClass="entr" presetSubtype="0" fill="hold" grpId="0" nodeType="clickEffect">
+                                  <p:stCondLst>
+                                    <p:cond delay="0"/>
+                                  </p:stCondLst>
+                                  <p:childTnLst>
+                                    <p:set>
+                                      <p:cBhvr>
+                                        <p:cTn id="52" dur="1" fill="hold">
+                                          <p:stCondLst>
+                                            <p:cond delay="0"/>
+                                          </p:stCondLst>
+                                        </p:cTn>
+                                        <p:tgtEl>
+                                          <p:spTgt spid="26"/>
+                                        </p:tgtEl>
+                                        <p:attrNameLst>
+                                          <p:attrName>style.visibility</p:attrName>
+                                        </p:attrNameLst>
+                                      </p:cBhvr>
+                                      <p:to>
+                                        <p:strVal val="visible"/>
+                                      </p:to>
+                                    </p:set>
+                                    <p:animEffect transition="in" filter="fade">
+                                      <p:cBhvr>
+                                        <p:cTn id="53" dur="500"/>
+                                        <p:tgtEl>
+                                          <p:spTgt spid="26"/>
                                         </p:tgtEl>
                                       </p:cBhvr>
                                     </p:animEffect>
@@ -14698,7 +16939,7 @@
       <p:bldP spid="10" grpId="0"/>
       <p:bldP spid="12" grpId="0"/>
       <p:bldP spid="14" grpId="0"/>
-      <p:bldP spid="15" grpId="0"/>
+      <p:bldP spid="26" grpId="0"/>
     </p:bldLst>
   </p:timing>
 </p:sld>
